--- a/PAA ICT/PAA_Ecoli_RNN/dissertation/figures/var-select-ct.pptx
+++ b/PAA ICT/PAA_Ecoli_RNN/dissertation/figures/var-select-ct.pptx
@@ -5,126 +5,15 @@
     <p:sldMasterId id="2147483648" r:id="rId1"/>
   </p:sldMasterIdLst>
   <p:sldIdLst>
-    <p:sldId id="256" r:id="rId2"/>
+    <p:sldId id="256" r:id="rId6"/>
   </p:sldIdLst>
   <p:sldSz cx="5943600" cy="2743200"/>
   <p:notesSz cx="5943600" cy="2743200"/>
-  <p:defaultTextStyle>
-    <a:defPPr>
-      <a:defRPr lang="en-US"/>
-    </a:defPPr>
-    <a:lvl1pPr marL="0" algn="l" defTabSz="914400" rtl="0" eaLnBrk="1" latinLnBrk="0" hangingPunct="1">
-      <a:defRPr sz="1800" kern="1200">
-        <a:solidFill>
-          <a:schemeClr val="tx1"/>
-        </a:solidFill>
-        <a:latin typeface="+mn-lt"/>
-        <a:ea typeface="+mn-ea"/>
-        <a:cs typeface="+mn-cs"/>
-      </a:defRPr>
-    </a:lvl1pPr>
-    <a:lvl2pPr marL="457200" algn="l" defTabSz="914400" rtl="0" eaLnBrk="1" latinLnBrk="0" hangingPunct="1">
-      <a:defRPr sz="1800" kern="1200">
-        <a:solidFill>
-          <a:schemeClr val="tx1"/>
-        </a:solidFill>
-        <a:latin typeface="+mn-lt"/>
-        <a:ea typeface="+mn-ea"/>
-        <a:cs typeface="+mn-cs"/>
-      </a:defRPr>
-    </a:lvl2pPr>
-    <a:lvl3pPr marL="914400" algn="l" defTabSz="914400" rtl="0" eaLnBrk="1" latinLnBrk="0" hangingPunct="1">
-      <a:defRPr sz="1800" kern="1200">
-        <a:solidFill>
-          <a:schemeClr val="tx1"/>
-        </a:solidFill>
-        <a:latin typeface="+mn-lt"/>
-        <a:ea typeface="+mn-ea"/>
-        <a:cs typeface="+mn-cs"/>
-      </a:defRPr>
-    </a:lvl3pPr>
-    <a:lvl4pPr marL="1371600" algn="l" defTabSz="914400" rtl="0" eaLnBrk="1" latinLnBrk="0" hangingPunct="1">
-      <a:defRPr sz="1800" kern="1200">
-        <a:solidFill>
-          <a:schemeClr val="tx1"/>
-        </a:solidFill>
-        <a:latin typeface="+mn-lt"/>
-        <a:ea typeface="+mn-ea"/>
-        <a:cs typeface="+mn-cs"/>
-      </a:defRPr>
-    </a:lvl4pPr>
-    <a:lvl5pPr marL="1828800" algn="l" defTabSz="914400" rtl="0" eaLnBrk="1" latinLnBrk="0" hangingPunct="1">
-      <a:defRPr sz="1800" kern="1200">
-        <a:solidFill>
-          <a:schemeClr val="tx1"/>
-        </a:solidFill>
-        <a:latin typeface="+mn-lt"/>
-        <a:ea typeface="+mn-ea"/>
-        <a:cs typeface="+mn-cs"/>
-      </a:defRPr>
-    </a:lvl5pPr>
-    <a:lvl6pPr marL="2286000" algn="l" defTabSz="914400" rtl="0" eaLnBrk="1" latinLnBrk="0" hangingPunct="1">
-      <a:defRPr sz="1800" kern="1200">
-        <a:solidFill>
-          <a:schemeClr val="tx1"/>
-        </a:solidFill>
-        <a:latin typeface="+mn-lt"/>
-        <a:ea typeface="+mn-ea"/>
-        <a:cs typeface="+mn-cs"/>
-      </a:defRPr>
-    </a:lvl6pPr>
-    <a:lvl7pPr marL="2743200" algn="l" defTabSz="914400" rtl="0" eaLnBrk="1" latinLnBrk="0" hangingPunct="1">
-      <a:defRPr sz="1800" kern="1200">
-        <a:solidFill>
-          <a:schemeClr val="tx1"/>
-        </a:solidFill>
-        <a:latin typeface="+mn-lt"/>
-        <a:ea typeface="+mn-ea"/>
-        <a:cs typeface="+mn-cs"/>
-      </a:defRPr>
-    </a:lvl7pPr>
-    <a:lvl8pPr marL="3200400" algn="l" defTabSz="914400" rtl="0" eaLnBrk="1" latinLnBrk="0" hangingPunct="1">
-      <a:defRPr sz="1800" kern="1200">
-        <a:solidFill>
-          <a:schemeClr val="tx1"/>
-        </a:solidFill>
-        <a:latin typeface="+mn-lt"/>
-        <a:ea typeface="+mn-ea"/>
-        <a:cs typeface="+mn-cs"/>
-      </a:defRPr>
-    </a:lvl8pPr>
-    <a:lvl9pPr marL="3657600" algn="l" defTabSz="914400" rtl="0" eaLnBrk="1" latinLnBrk="0" hangingPunct="1">
-      <a:defRPr sz="1800" kern="1200">
-        <a:solidFill>
-          <a:schemeClr val="tx1"/>
-        </a:solidFill>
-        <a:latin typeface="+mn-lt"/>
-        <a:ea typeface="+mn-ea"/>
-        <a:cs typeface="+mn-cs"/>
-      </a:defRPr>
-    </a:lvl9pPr>
-  </p:defaultTextStyle>
-  <p:extLst>
-    <p:ext uri="{EFAFB233-063F-42B5-8137-9DF3F51BA10A}">
-      <p15:sldGuideLst xmlns:p15="http://schemas.microsoft.com/office/powerpoint/2012/main">
-        <p15:guide id="1" orient="horz" pos="2880">
-          <p15:clr>
-            <a:srgbClr val="A4A3A4"/>
-          </p15:clr>
-        </p15:guide>
-        <p15:guide id="2" pos="2160">
-          <p15:clr>
-            <a:srgbClr val="A4A3A4"/>
-          </p15:clr>
-        </p15:guide>
-      </p15:sldGuideLst>
-    </p:ext>
-  </p:extLst>
 </p:presentation>
 </file>
 
 <file path=ppt/slideLayouts/slideLayout1.xml><?xml version="1.0" encoding="utf-8"?>
-<p:sldLayout xmlns:a="http://schemas.openxmlformats.org/drawingml/2006/main" xmlns:r="http://schemas.openxmlformats.org/officeDocument/2006/relationships" xmlns:p="http://schemas.openxmlformats.org/presentationml/2006/main" type="obj" preserve="1">
+<p:sldLayout xmlns:a="http://schemas.openxmlformats.org/drawingml/2006/main" xmlns:r="http://schemas.openxmlformats.org/officeDocument/2006/relationships" xmlns:p="http://schemas.openxmlformats.org/presentationml/2006/main" preserve="1" type="obj">
   <p:cSld name="Title Slide">
     <p:spTree>
       <p:nvGrpSpPr>
@@ -168,9 +57,7 @@
               <a:defRPr/>
             </a:lvl1pPr>
           </a:lstStyle>
-          <a:p>
-            <a:endParaRPr/>
-          </a:p>
+          <a:p/>
         </p:txBody>
       </p:sp>
       <p:sp>
@@ -201,9 +88,7 @@
               <a:defRPr/>
             </a:lvl1pPr>
           </a:lstStyle>
-          <a:p>
-            <a:endParaRPr/>
-          </a:p>
+          <a:p/>
         </p:txBody>
       </p:sp>
       <p:sp>
@@ -213,7 +98,7 @@
             <a:spLocks noGrp="1"/>
           </p:cNvSpPr>
           <p:nvPr>
-            <p:ph type="ftr" sz="quarter" idx="5"/>
+            <p:ph type="ftr" idx="5" sz="quarter"/>
           </p:nvPr>
         </p:nvSpPr>
         <p:spPr/>
@@ -230,9 +115,7 @@
               </a:defRPr>
             </a:lvl1pPr>
           </a:lstStyle>
-          <a:p>
-            <a:endParaRPr/>
-          </a:p>
+          <a:p/>
         </p:txBody>
       </p:sp>
       <p:sp>
@@ -242,7 +125,7 @@
             <a:spLocks noGrp="1"/>
           </p:cNvSpPr>
           <p:nvPr>
-            <p:ph type="dt" sz="half" idx="6"/>
+            <p:ph type="dt" idx="6" sz="half"/>
           </p:nvPr>
         </p:nvSpPr>
         <p:spPr/>
@@ -262,9 +145,7 @@
           <a:p>
             <a:fld id="{1D8BD707-D9CF-40AE-B4C6-C98DA3205C09}" type="datetimeFigureOut">
               <a:rPr lang="en-US"/>
-              <a:t>6/23/2020</a:t>
             </a:fld>
-            <a:endParaRPr lang="en-US"/>
           </a:p>
         </p:txBody>
       </p:sp>
@@ -275,7 +156,7 @@
             <a:spLocks noGrp="1"/>
           </p:cNvSpPr>
           <p:nvPr>
-            <p:ph type="sldNum" sz="quarter" idx="7"/>
+            <p:ph type="sldNum" idx="7" sz="quarter"/>
           </p:nvPr>
         </p:nvSpPr>
         <p:spPr/>
@@ -294,9 +175,8 @@
           </a:lstStyle>
           <a:p>
             <a:fld id="{B6F15528-21DE-4FAA-801E-634DDDAF4B2B}" type="slidenum">
-              <a:t>‹#›</a:t>
+              <a:t>#</a:t>
             </a:fld>
-            <a:endParaRPr/>
           </a:p>
         </p:txBody>
       </p:sp>
@@ -309,7 +189,7 @@
 </file>
 
 <file path=ppt/slideLayouts/slideLayout2.xml><?xml version="1.0" encoding="utf-8"?>
-<p:sldLayout xmlns:a="http://schemas.openxmlformats.org/drawingml/2006/main" xmlns:r="http://schemas.openxmlformats.org/officeDocument/2006/relationships" xmlns:p="http://schemas.openxmlformats.org/presentationml/2006/main" type="obj" preserve="1">
+<p:sldLayout xmlns:a="http://schemas.openxmlformats.org/drawingml/2006/main" xmlns:r="http://schemas.openxmlformats.org/officeDocument/2006/relationships" xmlns:p="http://schemas.openxmlformats.org/presentationml/2006/main" preserve="1" type="obj">
   <p:cSld name="Title and Content">
     <p:spTree>
       <p:nvGrpSpPr>
@@ -340,18 +220,10 @@
           <a:bodyPr lIns="0" tIns="0" rIns="0" bIns="0"/>
           <a:lstStyle>
             <a:lvl1pPr>
-              <a:defRPr sz="1200" b="0" i="0">
-                <a:solidFill>
-                  <a:schemeClr val="tx1"/>
-                </a:solidFill>
-                <a:latin typeface="Arial"/>
-                <a:cs typeface="Arial"/>
-              </a:defRPr>
+              <a:defRPr/>
             </a:lvl1pPr>
           </a:lstStyle>
-          <a:p>
-            <a:endParaRPr/>
-          </a:p>
+          <a:p/>
         </p:txBody>
       </p:sp>
       <p:sp>
@@ -372,9 +244,7 @@
               <a:defRPr/>
             </a:lvl1pPr>
           </a:lstStyle>
-          <a:p>
-            <a:endParaRPr/>
-          </a:p>
+          <a:p/>
         </p:txBody>
       </p:sp>
       <p:sp>
@@ -384,7 +254,7 @@
             <a:spLocks noGrp="1"/>
           </p:cNvSpPr>
           <p:nvPr>
-            <p:ph type="ftr" sz="quarter" idx="5"/>
+            <p:ph type="ftr" idx="5" sz="quarter"/>
           </p:nvPr>
         </p:nvSpPr>
         <p:spPr/>
@@ -401,9 +271,7 @@
               </a:defRPr>
             </a:lvl1pPr>
           </a:lstStyle>
-          <a:p>
-            <a:endParaRPr/>
-          </a:p>
+          <a:p/>
         </p:txBody>
       </p:sp>
       <p:sp>
@@ -413,7 +281,7 @@
             <a:spLocks noGrp="1"/>
           </p:cNvSpPr>
           <p:nvPr>
-            <p:ph type="dt" sz="half" idx="6"/>
+            <p:ph type="dt" idx="6" sz="half"/>
           </p:nvPr>
         </p:nvSpPr>
         <p:spPr/>
@@ -433,9 +301,7 @@
           <a:p>
             <a:fld id="{1D8BD707-D9CF-40AE-B4C6-C98DA3205C09}" type="datetimeFigureOut">
               <a:rPr lang="en-US"/>
-              <a:t>6/23/2020</a:t>
             </a:fld>
-            <a:endParaRPr lang="en-US"/>
           </a:p>
         </p:txBody>
       </p:sp>
@@ -446,7 +312,7 @@
             <a:spLocks noGrp="1"/>
           </p:cNvSpPr>
           <p:nvPr>
-            <p:ph type="sldNum" sz="quarter" idx="7"/>
+            <p:ph type="sldNum" idx="7" sz="quarter"/>
           </p:nvPr>
         </p:nvSpPr>
         <p:spPr/>
@@ -465,9 +331,8 @@
           </a:lstStyle>
           <a:p>
             <a:fld id="{B6F15528-21DE-4FAA-801E-634DDDAF4B2B}" type="slidenum">
-              <a:t>‹#›</a:t>
+              <a:t>#</a:t>
             </a:fld>
-            <a:endParaRPr/>
           </a:p>
         </p:txBody>
       </p:sp>
@@ -480,7 +345,7 @@
 </file>
 
 <file path=ppt/slideLayouts/slideLayout3.xml><?xml version="1.0" encoding="utf-8"?>
-<p:sldLayout xmlns:a="http://schemas.openxmlformats.org/drawingml/2006/main" xmlns:r="http://schemas.openxmlformats.org/officeDocument/2006/relationships" xmlns:p="http://schemas.openxmlformats.org/presentationml/2006/main" type="obj" preserve="1">
+<p:sldLayout xmlns:a="http://schemas.openxmlformats.org/drawingml/2006/main" xmlns:r="http://schemas.openxmlformats.org/officeDocument/2006/relationships" xmlns:p="http://schemas.openxmlformats.org/presentationml/2006/main" preserve="1" type="obj">
   <p:cSld name="Two Content">
     <p:spTree>
       <p:nvGrpSpPr>
@@ -511,18 +376,10 @@
           <a:bodyPr lIns="0" tIns="0" rIns="0" bIns="0"/>
           <a:lstStyle>
             <a:lvl1pPr>
-              <a:defRPr sz="1200" b="0" i="0">
-                <a:solidFill>
-                  <a:schemeClr val="tx1"/>
-                </a:solidFill>
-                <a:latin typeface="Arial"/>
-                <a:cs typeface="Arial"/>
-              </a:defRPr>
+              <a:defRPr/>
             </a:lvl1pPr>
           </a:lstStyle>
-          <a:p>
-            <a:endParaRPr/>
-          </a:p>
+          <a:p/>
         </p:txBody>
       </p:sp>
       <p:sp>
@@ -532,7 +389,7 @@
             <a:spLocks noGrp="1"/>
           </p:cNvSpPr>
           <p:nvPr>
-            <p:ph sz="half" idx="2"/>
+            <p:ph idx="2" sz="half"/>
           </p:nvPr>
         </p:nvSpPr>
         <p:spPr>
@@ -553,9 +410,7 @@
               <a:defRPr/>
             </a:lvl1pPr>
           </a:lstStyle>
-          <a:p>
-            <a:endParaRPr/>
-          </a:p>
+          <a:p/>
         </p:txBody>
       </p:sp>
       <p:sp>
@@ -565,7 +420,7 @@
             <a:spLocks noGrp="1"/>
           </p:cNvSpPr>
           <p:nvPr>
-            <p:ph sz="half" idx="3"/>
+            <p:ph idx="3" sz="half"/>
           </p:nvPr>
         </p:nvSpPr>
         <p:spPr>
@@ -586,9 +441,7 @@
               <a:defRPr/>
             </a:lvl1pPr>
           </a:lstStyle>
-          <a:p>
-            <a:endParaRPr/>
-          </a:p>
+          <a:p/>
         </p:txBody>
       </p:sp>
       <p:sp>
@@ -598,7 +451,7 @@
             <a:spLocks noGrp="1"/>
           </p:cNvSpPr>
           <p:nvPr>
-            <p:ph type="ftr" sz="quarter" idx="5"/>
+            <p:ph type="ftr" idx="5" sz="quarter"/>
           </p:nvPr>
         </p:nvSpPr>
         <p:spPr/>
@@ -615,9 +468,7 @@
               </a:defRPr>
             </a:lvl1pPr>
           </a:lstStyle>
-          <a:p>
-            <a:endParaRPr/>
-          </a:p>
+          <a:p/>
         </p:txBody>
       </p:sp>
       <p:sp>
@@ -627,7 +478,7 @@
             <a:spLocks noGrp="1"/>
           </p:cNvSpPr>
           <p:nvPr>
-            <p:ph type="dt" sz="half" idx="6"/>
+            <p:ph type="dt" idx="6" sz="half"/>
           </p:nvPr>
         </p:nvSpPr>
         <p:spPr/>
@@ -647,9 +498,7 @@
           <a:p>
             <a:fld id="{1D8BD707-D9CF-40AE-B4C6-C98DA3205C09}" type="datetimeFigureOut">
               <a:rPr lang="en-US"/>
-              <a:t>6/23/2020</a:t>
             </a:fld>
-            <a:endParaRPr lang="en-US"/>
           </a:p>
         </p:txBody>
       </p:sp>
@@ -660,7 +509,7 @@
             <a:spLocks noGrp="1"/>
           </p:cNvSpPr>
           <p:nvPr>
-            <p:ph type="sldNum" sz="quarter" idx="7"/>
+            <p:ph type="sldNum" idx="7" sz="quarter"/>
           </p:nvPr>
         </p:nvSpPr>
         <p:spPr/>
@@ -679,9 +528,8 @@
           </a:lstStyle>
           <a:p>
             <a:fld id="{B6F15528-21DE-4FAA-801E-634DDDAF4B2B}" type="slidenum">
-              <a:t>‹#›</a:t>
+              <a:t>#</a:t>
             </a:fld>
-            <a:endParaRPr/>
           </a:p>
         </p:txBody>
       </p:sp>
@@ -694,7 +542,7 @@
 </file>
 
 <file path=ppt/slideLayouts/slideLayout4.xml><?xml version="1.0" encoding="utf-8"?>
-<p:sldLayout xmlns:a="http://schemas.openxmlformats.org/drawingml/2006/main" xmlns:r="http://schemas.openxmlformats.org/officeDocument/2006/relationships" xmlns:p="http://schemas.openxmlformats.org/presentationml/2006/main" type="obj" preserve="1">
+<p:sldLayout xmlns:a="http://schemas.openxmlformats.org/drawingml/2006/main" xmlns:r="http://schemas.openxmlformats.org/officeDocument/2006/relationships" xmlns:p="http://schemas.openxmlformats.org/presentationml/2006/main" preserve="1" type="obj">
   <p:cSld name="Title Only">
     <p:spTree>
       <p:nvGrpSpPr>
@@ -725,18 +573,10 @@
           <a:bodyPr lIns="0" tIns="0" rIns="0" bIns="0"/>
           <a:lstStyle>
             <a:lvl1pPr>
-              <a:defRPr sz="1200" b="0" i="0">
-                <a:solidFill>
-                  <a:schemeClr val="tx1"/>
-                </a:solidFill>
-                <a:latin typeface="Arial"/>
-                <a:cs typeface="Arial"/>
-              </a:defRPr>
+              <a:defRPr/>
             </a:lvl1pPr>
           </a:lstStyle>
-          <a:p>
-            <a:endParaRPr/>
-          </a:p>
+          <a:p/>
         </p:txBody>
       </p:sp>
       <p:sp>
@@ -746,7 +586,7 @@
             <a:spLocks noGrp="1"/>
           </p:cNvSpPr>
           <p:nvPr>
-            <p:ph type="ftr" sz="quarter" idx="5"/>
+            <p:ph type="ftr" idx="5" sz="quarter"/>
           </p:nvPr>
         </p:nvSpPr>
         <p:spPr/>
@@ -763,9 +603,7 @@
               </a:defRPr>
             </a:lvl1pPr>
           </a:lstStyle>
-          <a:p>
-            <a:endParaRPr/>
-          </a:p>
+          <a:p/>
         </p:txBody>
       </p:sp>
       <p:sp>
@@ -775,7 +613,7 @@
             <a:spLocks noGrp="1"/>
           </p:cNvSpPr>
           <p:nvPr>
-            <p:ph type="dt" sz="half" idx="6"/>
+            <p:ph type="dt" idx="6" sz="half"/>
           </p:nvPr>
         </p:nvSpPr>
         <p:spPr/>
@@ -795,9 +633,7 @@
           <a:p>
             <a:fld id="{1D8BD707-D9CF-40AE-B4C6-C98DA3205C09}" type="datetimeFigureOut">
               <a:rPr lang="en-US"/>
-              <a:t>6/23/2020</a:t>
             </a:fld>
-            <a:endParaRPr lang="en-US"/>
           </a:p>
         </p:txBody>
       </p:sp>
@@ -808,7 +644,7 @@
             <a:spLocks noGrp="1"/>
           </p:cNvSpPr>
           <p:nvPr>
-            <p:ph type="sldNum" sz="quarter" idx="7"/>
+            <p:ph type="sldNum" idx="7" sz="quarter"/>
           </p:nvPr>
         </p:nvSpPr>
         <p:spPr/>
@@ -827,9 +663,8 @@
           </a:lstStyle>
           <a:p>
             <a:fld id="{B6F15528-21DE-4FAA-801E-634DDDAF4B2B}" type="slidenum">
-              <a:t>‹#›</a:t>
+              <a:t>#</a:t>
             </a:fld>
-            <a:endParaRPr/>
           </a:p>
         </p:txBody>
       </p:sp>
@@ -842,7 +677,7 @@
 </file>
 
 <file path=ppt/slideLayouts/slideLayout5.xml><?xml version="1.0" encoding="utf-8"?>
-<p:sldLayout xmlns:a="http://schemas.openxmlformats.org/drawingml/2006/main" xmlns:r="http://schemas.openxmlformats.org/officeDocument/2006/relationships" xmlns:p="http://schemas.openxmlformats.org/presentationml/2006/main" type="obj" preserve="1">
+<p:sldLayout xmlns:a="http://schemas.openxmlformats.org/drawingml/2006/main" xmlns:r="http://schemas.openxmlformats.org/officeDocument/2006/relationships" xmlns:p="http://schemas.openxmlformats.org/presentationml/2006/main" preserve="1" type="obj">
   <p:cSld name="Blank">
     <p:spTree>
       <p:nvGrpSpPr>
@@ -865,7 +700,7 @@
             <a:spLocks noGrp="1"/>
           </p:cNvSpPr>
           <p:nvPr>
-            <p:ph type="ftr" sz="quarter" idx="5"/>
+            <p:ph type="ftr" idx="5" sz="quarter"/>
           </p:nvPr>
         </p:nvSpPr>
         <p:spPr/>
@@ -882,9 +717,7 @@
               </a:defRPr>
             </a:lvl1pPr>
           </a:lstStyle>
-          <a:p>
-            <a:endParaRPr/>
-          </a:p>
+          <a:p/>
         </p:txBody>
       </p:sp>
       <p:sp>
@@ -894,7 +727,7 @@
             <a:spLocks noGrp="1"/>
           </p:cNvSpPr>
           <p:nvPr>
-            <p:ph type="dt" sz="half" idx="6"/>
+            <p:ph type="dt" idx="6" sz="half"/>
           </p:nvPr>
         </p:nvSpPr>
         <p:spPr/>
@@ -914,9 +747,7 @@
           <a:p>
             <a:fld id="{1D8BD707-D9CF-40AE-B4C6-C98DA3205C09}" type="datetimeFigureOut">
               <a:rPr lang="en-US"/>
-              <a:t>6/23/2020</a:t>
             </a:fld>
-            <a:endParaRPr lang="en-US"/>
           </a:p>
         </p:txBody>
       </p:sp>
@@ -927,7 +758,7 @@
             <a:spLocks noGrp="1"/>
           </p:cNvSpPr>
           <p:nvPr>
-            <p:ph type="sldNum" sz="quarter" idx="7"/>
+            <p:ph type="sldNum" idx="7" sz="quarter"/>
           </p:nvPr>
         </p:nvSpPr>
         <p:spPr/>
@@ -946,9 +777,8 @@
           </a:lstStyle>
           <a:p>
             <a:fld id="{B6F15528-21DE-4FAA-801E-634DDDAF4B2B}" type="slidenum">
-              <a:t>‹#›</a:t>
+              <a:t>#</a:t>
             </a:fld>
-            <a:endParaRPr/>
           </a:p>
         </p:txBody>
       </p:sp>
@@ -993,8 +823,8 @@
         </p:nvSpPr>
         <p:spPr>
           <a:xfrm>
-            <a:off x="1234947" y="316738"/>
-            <a:ext cx="544195" cy="512445"/>
+            <a:off x="1112900" y="475741"/>
+            <a:ext cx="295910" cy="268605"/>
           </a:xfrm>
           <a:custGeom>
             <a:avLst/>
@@ -1003,12 +833,12 @@
             <a:cxnLst/>
             <a:rect l="l" t="t" r="r" b="b"/>
             <a:pathLst>
-              <a:path w="544194" h="512444">
+              <a:path w="295909" h="268605">
                 <a:moveTo>
                   <a:pt x="0" y="0"/>
                 </a:moveTo>
                 <a:lnTo>
-                  <a:pt x="544195" y="512444"/>
+                  <a:pt x="295656" y="268605"/>
                 </a:lnTo>
               </a:path>
             </a:pathLst>
@@ -1022,9 +852,7 @@
         <p:txBody>
           <a:bodyPr wrap="square" lIns="0" tIns="0" rIns="0" bIns="0" rtlCol="0"/>
           <a:lstStyle/>
-          <a:p>
-            <a:endParaRPr/>
-          </a:p>
+          <a:p/>
         </p:txBody>
       </p:sp>
       <p:sp>
@@ -1035,8 +863,8 @@
         </p:nvSpPr>
         <p:spPr>
           <a:xfrm>
-            <a:off x="1936242" y="904875"/>
-            <a:ext cx="496570" cy="71120"/>
+            <a:off x="1558544" y="845692"/>
+            <a:ext cx="266700" cy="129539"/>
           </a:xfrm>
           <a:custGeom>
             <a:avLst/>
@@ -1045,12 +873,12 @@
             <a:cxnLst/>
             <a:rect l="l" t="t" r="r" b="b"/>
             <a:pathLst>
-              <a:path w="496569" h="71119">
+              <a:path w="266700" h="129540">
                 <a:moveTo>
                   <a:pt x="0" y="0"/>
                 </a:moveTo>
                 <a:lnTo>
-                  <a:pt x="496315" y="70866"/>
+                  <a:pt x="266573" y="129539"/>
                 </a:lnTo>
               </a:path>
             </a:pathLst>
@@ -1064,9 +892,7 @@
         <p:txBody>
           <a:bodyPr wrap="square" lIns="0" tIns="0" rIns="0" bIns="0" rtlCol="0"/>
           <a:lstStyle/>
-          <a:p>
-            <a:endParaRPr/>
-          </a:p>
+          <a:p/>
         </p:txBody>
       </p:sp>
       <p:sp>
@@ -1077,8 +903,8 @@
         </p:nvSpPr>
         <p:spPr>
           <a:xfrm>
-            <a:off x="2602102" y="1034669"/>
-            <a:ext cx="519430" cy="302895"/>
+            <a:off x="1988820" y="1056513"/>
+            <a:ext cx="267970" cy="135890"/>
           </a:xfrm>
           <a:custGeom>
             <a:avLst/>
@@ -1087,12 +913,12 @@
             <a:cxnLst/>
             <a:rect l="l" t="t" r="r" b="b"/>
             <a:pathLst>
-              <a:path w="519430" h="302894">
+              <a:path w="267969" h="135890">
                 <a:moveTo>
                   <a:pt x="0" y="0"/>
                 </a:moveTo>
                 <a:lnTo>
-                  <a:pt x="519303" y="302894"/>
+                  <a:pt x="267969" y="135762"/>
                 </a:lnTo>
               </a:path>
             </a:pathLst>
@@ -1106,9 +932,7 @@
         <p:txBody>
           <a:bodyPr wrap="square" lIns="0" tIns="0" rIns="0" bIns="0" rtlCol="0"/>
           <a:lstStyle/>
-          <a:p>
-            <a:endParaRPr/>
-          </a:p>
+          <a:p/>
         </p:txBody>
       </p:sp>
       <p:sp>
@@ -1119,8 +943,8 @@
         </p:nvSpPr>
         <p:spPr>
           <a:xfrm>
-            <a:off x="3282441" y="1423797"/>
-            <a:ext cx="513715" cy="252095"/>
+            <a:off x="2423032" y="1268094"/>
+            <a:ext cx="261620" cy="106680"/>
           </a:xfrm>
           <a:custGeom>
             <a:avLst/>
@@ -1129,12 +953,52 @@
             <a:cxnLst/>
             <a:rect l="l" t="t" r="r" b="b"/>
             <a:pathLst>
-              <a:path w="513714" h="252094">
+              <a:path w="261619" h="106680">
                 <a:moveTo>
                   <a:pt x="0" y="0"/>
                 </a:moveTo>
                 <a:lnTo>
-                  <a:pt x="513207" y="251714"/>
+                  <a:pt x="261619" y="106553"/>
+                </a:lnTo>
+              </a:path>
+            </a:pathLst>
+          </a:custGeom>
+          <a:ln w="9524">
+            <a:solidFill>
+              <a:srgbClr val="000000"/>
+            </a:solidFill>
+          </a:ln>
+        </p:spPr>
+        <p:txBody>
+          <a:bodyPr wrap="square" lIns="0" tIns="0" rIns="0" bIns="0" rtlCol="0"/>
+          <a:lstStyle/>
+          <a:p/>
+        </p:txBody>
+      </p:sp>
+      <p:sp>
+        <p:nvSpPr>
+          <p:cNvPr id="20" name="bk object 20"/>
+          <p:cNvSpPr/>
+          <p:nvPr/>
+        </p:nvSpPr>
+        <p:spPr>
+          <a:xfrm>
+            <a:off x="2856738" y="1435988"/>
+            <a:ext cx="256540" cy="79375"/>
+          </a:xfrm>
+          <a:custGeom>
+            <a:avLst/>
+            <a:gdLst/>
+            <a:ahLst/>
+            <a:cxnLst/>
+            <a:rect l="l" t="t" r="r" b="b"/>
+            <a:pathLst>
+              <a:path w="256539" h="79375">
+                <a:moveTo>
+                  <a:pt x="0" y="0"/>
+                </a:moveTo>
+                <a:lnTo>
+                  <a:pt x="256286" y="78994"/>
                 </a:lnTo>
               </a:path>
             </a:pathLst>
@@ -1148,21 +1012,19 @@
         <p:txBody>
           <a:bodyPr wrap="square" lIns="0" tIns="0" rIns="0" bIns="0" rtlCol="0"/>
           <a:lstStyle/>
-          <a:p>
-            <a:endParaRPr/>
-          </a:p>
-        </p:txBody>
-      </p:sp>
-      <p:sp>
-        <p:nvSpPr>
-          <p:cNvPr id="20" name="bk object 20"/>
+          <a:p/>
+        </p:txBody>
+      </p:sp>
+      <p:sp>
+        <p:nvSpPr>
+          <p:cNvPr id="21" name="bk object 21"/>
           <p:cNvSpPr/>
           <p:nvPr/>
         </p:nvSpPr>
         <p:spPr>
           <a:xfrm>
-            <a:off x="3967226" y="1734311"/>
-            <a:ext cx="498475" cy="103505"/>
+            <a:off x="3291459" y="1550669"/>
+            <a:ext cx="248920" cy="24130"/>
           </a:xfrm>
           <a:custGeom>
             <a:avLst/>
@@ -1171,12 +1033,132 @@
             <a:cxnLst/>
             <a:rect l="l" t="t" r="r" b="b"/>
             <a:pathLst>
-              <a:path w="498475" h="103505">
+              <a:path w="248920" h="24130">
                 <a:moveTo>
                   <a:pt x="0" y="0"/>
                 </a:moveTo>
                 <a:lnTo>
-                  <a:pt x="498348" y="103250"/>
+                  <a:pt x="248919" y="24003"/>
+                </a:lnTo>
+              </a:path>
+            </a:pathLst>
+          </a:custGeom>
+          <a:ln w="9525">
+            <a:solidFill>
+              <a:srgbClr val="000000"/>
+            </a:solidFill>
+          </a:ln>
+        </p:spPr>
+        <p:txBody>
+          <a:bodyPr wrap="square" lIns="0" tIns="0" rIns="0" bIns="0" rtlCol="0"/>
+          <a:lstStyle/>
+          <a:p/>
+        </p:txBody>
+      </p:sp>
+      <p:sp>
+        <p:nvSpPr>
+          <p:cNvPr id="22" name="bk object 22"/>
+          <p:cNvSpPr/>
+          <p:nvPr/>
+        </p:nvSpPr>
+        <p:spPr>
+          <a:xfrm>
+            <a:off x="3715765" y="1618869"/>
+            <a:ext cx="262890" cy="109855"/>
+          </a:xfrm>
+          <a:custGeom>
+            <a:avLst/>
+            <a:gdLst/>
+            <a:ahLst/>
+            <a:cxnLst/>
+            <a:rect l="l" t="t" r="r" b="b"/>
+            <a:pathLst>
+              <a:path w="262889" h="109855">
+                <a:moveTo>
+                  <a:pt x="0" y="0"/>
+                </a:moveTo>
+                <a:lnTo>
+                  <a:pt x="262382" y="109855"/>
+                </a:lnTo>
+              </a:path>
+            </a:pathLst>
+          </a:custGeom>
+          <a:ln w="9525">
+            <a:solidFill>
+              <a:srgbClr val="000000"/>
+            </a:solidFill>
+          </a:ln>
+        </p:spPr>
+        <p:txBody>
+          <a:bodyPr wrap="square" lIns="0" tIns="0" rIns="0" bIns="0" rtlCol="0"/>
+          <a:lstStyle/>
+          <a:p/>
+        </p:txBody>
+      </p:sp>
+      <p:sp>
+        <p:nvSpPr>
+          <p:cNvPr id="23" name="bk object 23"/>
+          <p:cNvSpPr/>
+          <p:nvPr/>
+        </p:nvSpPr>
+        <p:spPr>
+          <a:xfrm>
+            <a:off x="4151376" y="1785366"/>
+            <a:ext cx="253365" cy="60960"/>
+          </a:xfrm>
+          <a:custGeom>
+            <a:avLst/>
+            <a:gdLst/>
+            <a:ahLst/>
+            <a:cxnLst/>
+            <a:rect l="l" t="t" r="r" b="b"/>
+            <a:pathLst>
+              <a:path w="253364" h="60960">
+                <a:moveTo>
+                  <a:pt x="0" y="0"/>
+                </a:moveTo>
+                <a:lnTo>
+                  <a:pt x="253237" y="60960"/>
+                </a:lnTo>
+              </a:path>
+            </a:pathLst>
+          </a:custGeom>
+          <a:ln w="9525">
+            <a:solidFill>
+              <a:srgbClr val="000000"/>
+            </a:solidFill>
+          </a:ln>
+        </p:spPr>
+        <p:txBody>
+          <a:bodyPr wrap="square" lIns="0" tIns="0" rIns="0" bIns="0" rtlCol="0"/>
+          <a:lstStyle/>
+          <a:p/>
+        </p:txBody>
+      </p:sp>
+      <p:sp>
+        <p:nvSpPr>
+          <p:cNvPr id="24" name="bk object 24"/>
+          <p:cNvSpPr/>
+          <p:nvPr/>
+        </p:nvSpPr>
+        <p:spPr>
+          <a:xfrm>
+            <a:off x="5015991" y="1870582"/>
+            <a:ext cx="248285" cy="1270"/>
+          </a:xfrm>
+          <a:custGeom>
+            <a:avLst/>
+            <a:gdLst/>
+            <a:ahLst/>
+            <a:cxnLst/>
+            <a:rect l="l" t="t" r="r" b="b"/>
+            <a:pathLst>
+              <a:path w="248285" h="1269">
+                <a:moveTo>
+                  <a:pt x="0" y="888"/>
+                </a:moveTo>
+                <a:lnTo>
+                  <a:pt x="248158" y="0"/>
                 </a:lnTo>
               </a:path>
             </a:pathLst>
@@ -1190,21 +1172,19 @@
         <p:txBody>
           <a:bodyPr wrap="square" lIns="0" tIns="0" rIns="0" bIns="0" rtlCol="0"/>
           <a:lstStyle/>
-          <a:p>
-            <a:endParaRPr/>
-          </a:p>
-        </p:txBody>
-      </p:sp>
-      <p:sp>
-        <p:nvSpPr>
-          <p:cNvPr id="21" name="bk object 21"/>
+          <a:p/>
+        </p:txBody>
+      </p:sp>
+      <p:sp>
+        <p:nvSpPr>
+          <p:cNvPr id="25" name="bk object 25"/>
           <p:cNvSpPr/>
           <p:nvPr/>
         </p:nvSpPr>
         <p:spPr>
           <a:xfrm>
-            <a:off x="4646421" y="1823339"/>
-            <a:ext cx="494665" cy="27940"/>
+            <a:off x="640080" y="367029"/>
+            <a:ext cx="0" cy="1603375"/>
           </a:xfrm>
           <a:custGeom>
             <a:avLst/>
@@ -1213,12 +1193,12 @@
             <a:cxnLst/>
             <a:rect l="l" t="t" r="r" b="b"/>
             <a:pathLst>
-              <a:path w="494664" h="27939">
+              <a:path w="0" h="1603375">
                 <a:moveTo>
-                  <a:pt x="0" y="27686"/>
+                  <a:pt x="0" y="1602994"/>
                 </a:moveTo>
                 <a:lnTo>
-                  <a:pt x="494664" y="0"/>
+                  <a:pt x="0" y="0"/>
                 </a:lnTo>
               </a:path>
             </a:pathLst>
@@ -1232,9 +1212,247 @@
         <p:txBody>
           <a:bodyPr wrap="square" lIns="0" tIns="0" rIns="0" bIns="0" rtlCol="0"/>
           <a:lstStyle/>
-          <a:p>
-            <a:endParaRPr/>
-          </a:p>
+          <a:p/>
+        </p:txBody>
+      </p:sp>
+      <p:sp>
+        <p:nvSpPr>
+          <p:cNvPr id="26" name="bk object 26"/>
+          <p:cNvSpPr/>
+          <p:nvPr/>
+        </p:nvSpPr>
+        <p:spPr>
+          <a:xfrm>
+            <a:off x="548640" y="1970023"/>
+            <a:ext cx="91440" cy="0"/>
+          </a:xfrm>
+          <a:custGeom>
+            <a:avLst/>
+            <a:gdLst/>
+            <a:ahLst/>
+            <a:cxnLst/>
+            <a:rect l="l" t="t" r="r" b="b"/>
+            <a:pathLst>
+              <a:path w="91440" h="0">
+                <a:moveTo>
+                  <a:pt x="91439" y="0"/>
+                </a:moveTo>
+                <a:lnTo>
+                  <a:pt x="0" y="0"/>
+                </a:lnTo>
+              </a:path>
+            </a:pathLst>
+          </a:custGeom>
+          <a:ln w="9525">
+            <a:solidFill>
+              <a:srgbClr val="000000"/>
+            </a:solidFill>
+          </a:ln>
+        </p:spPr>
+        <p:txBody>
+          <a:bodyPr wrap="square" lIns="0" tIns="0" rIns="0" bIns="0" rtlCol="0"/>
+          <a:lstStyle/>
+          <a:p/>
+        </p:txBody>
+      </p:sp>
+      <p:sp>
+        <p:nvSpPr>
+          <p:cNvPr id="27" name="bk object 27"/>
+          <p:cNvSpPr/>
+          <p:nvPr/>
+        </p:nvSpPr>
+        <p:spPr>
+          <a:xfrm>
+            <a:off x="548640" y="1649348"/>
+            <a:ext cx="91440" cy="0"/>
+          </a:xfrm>
+          <a:custGeom>
+            <a:avLst/>
+            <a:gdLst/>
+            <a:ahLst/>
+            <a:cxnLst/>
+            <a:rect l="l" t="t" r="r" b="b"/>
+            <a:pathLst>
+              <a:path w="91440" h="0">
+                <a:moveTo>
+                  <a:pt x="91439" y="0"/>
+                </a:moveTo>
+                <a:lnTo>
+                  <a:pt x="0" y="0"/>
+                </a:lnTo>
+              </a:path>
+            </a:pathLst>
+          </a:custGeom>
+          <a:ln w="9525">
+            <a:solidFill>
+              <a:srgbClr val="000000"/>
+            </a:solidFill>
+          </a:ln>
+        </p:spPr>
+        <p:txBody>
+          <a:bodyPr wrap="square" lIns="0" tIns="0" rIns="0" bIns="0" rtlCol="0"/>
+          <a:lstStyle/>
+          <a:p/>
+        </p:txBody>
+      </p:sp>
+      <p:sp>
+        <p:nvSpPr>
+          <p:cNvPr id="28" name="bk object 28"/>
+          <p:cNvSpPr/>
+          <p:nvPr/>
+        </p:nvSpPr>
+        <p:spPr>
+          <a:xfrm>
+            <a:off x="548640" y="1328800"/>
+            <a:ext cx="91440" cy="0"/>
+          </a:xfrm>
+          <a:custGeom>
+            <a:avLst/>
+            <a:gdLst/>
+            <a:ahLst/>
+            <a:cxnLst/>
+            <a:rect l="l" t="t" r="r" b="b"/>
+            <a:pathLst>
+              <a:path w="91440" h="0">
+                <a:moveTo>
+                  <a:pt x="91439" y="0"/>
+                </a:moveTo>
+                <a:lnTo>
+                  <a:pt x="0" y="0"/>
+                </a:lnTo>
+              </a:path>
+            </a:pathLst>
+          </a:custGeom>
+          <a:ln w="9525">
+            <a:solidFill>
+              <a:srgbClr val="000000"/>
+            </a:solidFill>
+          </a:ln>
+        </p:spPr>
+        <p:txBody>
+          <a:bodyPr wrap="square" lIns="0" tIns="0" rIns="0" bIns="0" rtlCol="0"/>
+          <a:lstStyle/>
+          <a:p/>
+        </p:txBody>
+      </p:sp>
+      <p:sp>
+        <p:nvSpPr>
+          <p:cNvPr id="29" name="bk object 29"/>
+          <p:cNvSpPr/>
+          <p:nvPr/>
+        </p:nvSpPr>
+        <p:spPr>
+          <a:xfrm>
+            <a:off x="548640" y="1008252"/>
+            <a:ext cx="91440" cy="0"/>
+          </a:xfrm>
+          <a:custGeom>
+            <a:avLst/>
+            <a:gdLst/>
+            <a:ahLst/>
+            <a:cxnLst/>
+            <a:rect l="l" t="t" r="r" b="b"/>
+            <a:pathLst>
+              <a:path w="91440" h="0">
+                <a:moveTo>
+                  <a:pt x="91439" y="0"/>
+                </a:moveTo>
+                <a:lnTo>
+                  <a:pt x="0" y="0"/>
+                </a:lnTo>
+              </a:path>
+            </a:pathLst>
+          </a:custGeom>
+          <a:ln w="9525">
+            <a:solidFill>
+              <a:srgbClr val="000000"/>
+            </a:solidFill>
+          </a:ln>
+        </p:spPr>
+        <p:txBody>
+          <a:bodyPr wrap="square" lIns="0" tIns="0" rIns="0" bIns="0" rtlCol="0"/>
+          <a:lstStyle/>
+          <a:p/>
+        </p:txBody>
+      </p:sp>
+      <p:sp>
+        <p:nvSpPr>
+          <p:cNvPr id="30" name="bk object 30"/>
+          <p:cNvSpPr/>
+          <p:nvPr/>
+        </p:nvSpPr>
+        <p:spPr>
+          <a:xfrm>
+            <a:off x="548640" y="687577"/>
+            <a:ext cx="91440" cy="0"/>
+          </a:xfrm>
+          <a:custGeom>
+            <a:avLst/>
+            <a:gdLst/>
+            <a:ahLst/>
+            <a:cxnLst/>
+            <a:rect l="l" t="t" r="r" b="b"/>
+            <a:pathLst>
+              <a:path w="91440" h="0">
+                <a:moveTo>
+                  <a:pt x="91439" y="0"/>
+                </a:moveTo>
+                <a:lnTo>
+                  <a:pt x="0" y="0"/>
+                </a:lnTo>
+              </a:path>
+            </a:pathLst>
+          </a:custGeom>
+          <a:ln w="9525">
+            <a:solidFill>
+              <a:srgbClr val="000000"/>
+            </a:solidFill>
+          </a:ln>
+        </p:spPr>
+        <p:txBody>
+          <a:bodyPr wrap="square" lIns="0" tIns="0" rIns="0" bIns="0" rtlCol="0"/>
+          <a:lstStyle/>
+          <a:p/>
+        </p:txBody>
+      </p:sp>
+      <p:sp>
+        <p:nvSpPr>
+          <p:cNvPr id="31" name="bk object 31"/>
+          <p:cNvSpPr/>
+          <p:nvPr/>
+        </p:nvSpPr>
+        <p:spPr>
+          <a:xfrm>
+            <a:off x="548640" y="367029"/>
+            <a:ext cx="91440" cy="0"/>
+          </a:xfrm>
+          <a:custGeom>
+            <a:avLst/>
+            <a:gdLst/>
+            <a:ahLst/>
+            <a:cxnLst/>
+            <a:rect l="l" t="t" r="r" b="b"/>
+            <a:pathLst>
+              <a:path w="91440" h="0">
+                <a:moveTo>
+                  <a:pt x="91439" y="0"/>
+                </a:moveTo>
+                <a:lnTo>
+                  <a:pt x="0" y="0"/>
+                </a:lnTo>
+              </a:path>
+            </a:pathLst>
+          </a:custGeom>
+          <a:ln w="9525">
+            <a:solidFill>
+              <a:srgbClr val="000000"/>
+            </a:solidFill>
+          </a:ln>
+        </p:spPr>
+        <p:txBody>
+          <a:bodyPr wrap="square" lIns="0" tIns="0" rIns="0" bIns="0" rtlCol="0"/>
+          <a:lstStyle/>
+          <a:p/>
         </p:txBody>
       </p:sp>
       <p:sp>
@@ -1249,47 +1467,8 @@
         </p:nvSpPr>
         <p:spPr>
           <a:xfrm>
-            <a:off x="880363" y="271526"/>
-            <a:ext cx="576580" cy="208279"/>
-          </a:xfrm>
-          <a:prstGeom prst="rect">
-            <a:avLst/>
-          </a:prstGeom>
-        </p:spPr>
-        <p:txBody>
-          <a:bodyPr wrap="square" lIns="0" tIns="0" rIns="0" bIns="0">
-            <a:spAutoFit/>
-          </a:bodyPr>
-          <a:lstStyle>
-            <a:lvl1pPr>
-              <a:defRPr sz="1200" b="0" i="0">
-                <a:solidFill>
-                  <a:schemeClr val="tx1"/>
-                </a:solidFill>
-                <a:latin typeface="Arial"/>
-                <a:cs typeface="Arial"/>
-              </a:defRPr>
-            </a:lvl1pPr>
-          </a:lstStyle>
-          <a:p>
-            <a:endParaRPr/>
-          </a:p>
-        </p:txBody>
-      </p:sp>
-      <p:sp>
-        <p:nvSpPr>
-          <p:cNvPr id="3" name="Holder 3"/>
-          <p:cNvSpPr>
-            <a:spLocks noGrp="1"/>
-          </p:cNvSpPr>
-          <p:nvPr>
-            <p:ph type="body" idx="1"/>
-          </p:nvPr>
-        </p:nvSpPr>
-        <p:spPr>
-          <a:xfrm>
-            <a:off x="297180" y="630936"/>
-            <a:ext cx="5349240" cy="1810512"/>
+            <a:off x="297180" y="109728"/>
+            <a:ext cx="5349240" cy="438912"/>
           </a:xfrm>
           <a:prstGeom prst="rect">
             <a:avLst/>
@@ -1304,9 +1483,38 @@
               <a:defRPr/>
             </a:lvl1pPr>
           </a:lstStyle>
-          <a:p>
-            <a:endParaRPr/>
-          </a:p>
+          <a:p/>
+        </p:txBody>
+      </p:sp>
+      <p:sp>
+        <p:nvSpPr>
+          <p:cNvPr id="3" name="Holder 3"/>
+          <p:cNvSpPr>
+            <a:spLocks noGrp="1"/>
+          </p:cNvSpPr>
+          <p:nvPr>
+            <p:ph type="body" idx="1"/>
+          </p:nvPr>
+        </p:nvSpPr>
+        <p:spPr>
+          <a:xfrm>
+            <a:off x="297180" y="630936"/>
+            <a:ext cx="5349240" cy="1810512"/>
+          </a:xfrm>
+          <a:prstGeom prst="rect">
+            <a:avLst/>
+          </a:prstGeom>
+        </p:spPr>
+        <p:txBody>
+          <a:bodyPr wrap="square" lIns="0" tIns="0" rIns="0" bIns="0">
+            <a:spAutoFit/>
+          </a:bodyPr>
+          <a:lstStyle>
+            <a:lvl1pPr>
+              <a:defRPr/>
+            </a:lvl1pPr>
+          </a:lstStyle>
+          <a:p/>
         </p:txBody>
       </p:sp>
       <p:sp>
@@ -1316,7 +1524,7 @@
             <a:spLocks noGrp="1"/>
           </p:cNvSpPr>
           <p:nvPr>
-            <p:ph type="ftr" sz="quarter" idx="5"/>
+            <p:ph type="ftr" idx="5" sz="quarter"/>
           </p:nvPr>
         </p:nvSpPr>
         <p:spPr>
@@ -1343,9 +1551,7 @@
               </a:defRPr>
             </a:lvl1pPr>
           </a:lstStyle>
-          <a:p>
-            <a:endParaRPr/>
-          </a:p>
+          <a:p/>
         </p:txBody>
       </p:sp>
       <p:sp>
@@ -1355,7 +1561,7 @@
             <a:spLocks noGrp="1"/>
           </p:cNvSpPr>
           <p:nvPr>
-            <p:ph type="dt" sz="half" idx="6"/>
+            <p:ph type="dt" idx="6" sz="half"/>
           </p:nvPr>
         </p:nvSpPr>
         <p:spPr>
@@ -1385,9 +1591,7 @@
           <a:p>
             <a:fld id="{1D8BD707-D9CF-40AE-B4C6-C98DA3205C09}" type="datetimeFigureOut">
               <a:rPr lang="en-US"/>
-              <a:t>6/23/2020</a:t>
             </a:fld>
-            <a:endParaRPr lang="en-US"/>
           </a:p>
         </p:txBody>
       </p:sp>
@@ -1398,7 +1602,7 @@
             <a:spLocks noGrp="1"/>
           </p:cNvSpPr>
           <p:nvPr>
-            <p:ph type="sldNum" sz="quarter" idx="7"/>
+            <p:ph type="sldNum" idx="7" sz="quarter"/>
           </p:nvPr>
         </p:nvSpPr>
         <p:spPr>
@@ -1427,15 +1631,14 @@
           </a:lstStyle>
           <a:p>
             <a:fld id="{B6F15528-21DE-4FAA-801E-634DDDAF4B2B}" type="slidenum">
-              <a:t>‹#›</a:t>
+              <a:t>#</a:t>
             </a:fld>
-            <a:endParaRPr/>
           </a:p>
         </p:txBody>
       </p:sp>
     </p:spTree>
   </p:cSld>
-  <p:clrMap bg1="lt1" tx1="dk1" bg2="lt2" tx2="dk2" accent1="accent1" accent2="accent2" accent3="accent3" accent4="accent4" accent5="accent5" accent6="accent6" hlink="hlink" folHlink="folHlink"/>
+  <p:clrMap folHlink="folHlink" hlink="hlink" accent1="accent1" accent2="accent2" accent3="accent3" accent4="accent4" accent5="accent5" accent6="accent6" tx2="dk2" bg2="lt2" tx1="dk1" bg1="lt1"/>
   <p:sldLayoutIdLst>
     <p:sldLayoutId id="2147483661" r:id="rId1"/>
     <p:sldLayoutId id="2147483662" r:id="rId2"/>
@@ -1612,37 +1815,34 @@
         </p:nvSpPr>
         <p:spPr>
           <a:xfrm>
-            <a:off x="1130680" y="199897"/>
-            <a:ext cx="88900" cy="101600"/>
+            <a:off x="269960" y="1914984"/>
+            <a:ext cx="196215" cy="110489"/>
           </a:xfrm>
           <a:prstGeom prst="rect">
             <a:avLst/>
           </a:prstGeom>
         </p:spPr>
         <p:txBody>
-          <a:bodyPr vert="horz" wrap="square" lIns="0" tIns="12700" rIns="0" bIns="0" rtlCol="0">
+          <a:bodyPr wrap="square" lIns="0" tIns="0" rIns="0" bIns="0" rtlCol="0" vert="vert270">
             <a:spAutoFit/>
           </a:bodyPr>
           <a:lstStyle/>
           <a:p>
             <a:pPr marL="12700">
               <a:lnSpc>
-                <a:spcPct val="100000"/>
+                <a:spcPts val="1425"/>
               </a:lnSpc>
-              <a:spcBef>
-                <a:spcPts val="100"/>
-              </a:spcBef>
             </a:pPr>
             <a:r>
-              <a:rPr sz="500" dirty="0">
-                <a:latin typeface="MS UI Gothic"/>
-                <a:cs typeface="MS UI Gothic"/>
-              </a:rPr>
-              <a:t>●</a:t>
-            </a:r>
-            <a:endParaRPr sz="500">
-              <a:latin typeface="MS UI Gothic"/>
-              <a:cs typeface="MS UI Gothic"/>
+              <a:rPr dirty="0" sz="1200">
+                <a:latin typeface="Arial"/>
+                <a:cs typeface="Arial"/>
+              </a:rPr>
+              <a:t>8</a:t>
+            </a:r>
+            <a:endParaRPr sz="1200">
+              <a:latin typeface="Arial"/>
+              <a:cs typeface="Arial"/>
             </a:endParaRPr>
           </a:p>
         </p:txBody>
@@ -1655,37 +1855,34 @@
         </p:nvSpPr>
         <p:spPr>
           <a:xfrm>
-            <a:off x="2485263" y="934593"/>
-            <a:ext cx="88900" cy="101600"/>
+            <a:off x="269960" y="1594309"/>
+            <a:ext cx="196215" cy="110489"/>
           </a:xfrm>
           <a:prstGeom prst="rect">
             <a:avLst/>
           </a:prstGeom>
         </p:spPr>
         <p:txBody>
-          <a:bodyPr vert="horz" wrap="square" lIns="0" tIns="12700" rIns="0" bIns="0" rtlCol="0">
+          <a:bodyPr wrap="square" lIns="0" tIns="0" rIns="0" bIns="0" rtlCol="0" vert="vert270">
             <a:spAutoFit/>
           </a:bodyPr>
           <a:lstStyle/>
           <a:p>
             <a:pPr marL="12700">
               <a:lnSpc>
-                <a:spcPct val="100000"/>
+                <a:spcPts val="1425"/>
               </a:lnSpc>
-              <a:spcBef>
-                <a:spcPts val="100"/>
-              </a:spcBef>
             </a:pPr>
             <a:r>
-              <a:rPr sz="500" dirty="0">
-                <a:latin typeface="MS UI Gothic"/>
-                <a:cs typeface="MS UI Gothic"/>
-              </a:rPr>
-              <a:t>●</a:t>
-            </a:r>
-            <a:endParaRPr sz="500">
-              <a:latin typeface="MS UI Gothic"/>
-              <a:cs typeface="MS UI Gothic"/>
+              <a:rPr dirty="0" sz="1200">
+                <a:latin typeface="Arial"/>
+                <a:cs typeface="Arial"/>
+              </a:rPr>
+              <a:t>9</a:t>
+            </a:r>
+            <a:endParaRPr sz="1200">
+              <a:latin typeface="Arial"/>
+              <a:cs typeface="Arial"/>
             </a:endParaRPr>
           </a:p>
         </p:txBody>
@@ -1693,429 +1890,6 @@
       <p:sp>
         <p:nvSpPr>
           <p:cNvPr id="4" name="object 4"/>
-          <p:cNvSpPr txBox="1"/>
-          <p:nvPr/>
-        </p:nvSpPr>
-        <p:spPr>
-          <a:xfrm>
-            <a:off x="3839971" y="1661667"/>
-            <a:ext cx="88900" cy="101600"/>
-          </a:xfrm>
-          <a:prstGeom prst="rect">
-            <a:avLst/>
-          </a:prstGeom>
-        </p:spPr>
-        <p:txBody>
-          <a:bodyPr vert="horz" wrap="square" lIns="0" tIns="12065" rIns="0" bIns="0" rtlCol="0">
-            <a:spAutoFit/>
-          </a:bodyPr>
-          <a:lstStyle/>
-          <a:p>
-            <a:pPr marL="12700">
-              <a:lnSpc>
-                <a:spcPct val="100000"/>
-              </a:lnSpc>
-              <a:spcBef>
-                <a:spcPts val="95"/>
-              </a:spcBef>
-            </a:pPr>
-            <a:r>
-              <a:rPr sz="500" dirty="0">
-                <a:latin typeface="MS UI Gothic"/>
-                <a:cs typeface="MS UI Gothic"/>
-              </a:rPr>
-              <a:t>●</a:t>
-            </a:r>
-            <a:endParaRPr sz="500">
-              <a:latin typeface="MS UI Gothic"/>
-              <a:cs typeface="MS UI Gothic"/>
-            </a:endParaRPr>
-          </a:p>
-        </p:txBody>
-      </p:sp>
-      <p:sp>
-        <p:nvSpPr>
-          <p:cNvPr id="5" name="object 5"/>
-          <p:cNvSpPr txBox="1"/>
-          <p:nvPr/>
-        </p:nvSpPr>
-        <p:spPr>
-          <a:xfrm>
-            <a:off x="4517263" y="1802002"/>
-            <a:ext cx="88900" cy="101600"/>
-          </a:xfrm>
-          <a:prstGeom prst="rect">
-            <a:avLst/>
-          </a:prstGeom>
-        </p:spPr>
-        <p:txBody>
-          <a:bodyPr vert="horz" wrap="square" lIns="0" tIns="12065" rIns="0" bIns="0" rtlCol="0">
-            <a:spAutoFit/>
-          </a:bodyPr>
-          <a:lstStyle/>
-          <a:p>
-            <a:pPr marL="12700">
-              <a:lnSpc>
-                <a:spcPct val="100000"/>
-              </a:lnSpc>
-              <a:spcBef>
-                <a:spcPts val="95"/>
-              </a:spcBef>
-            </a:pPr>
-            <a:r>
-              <a:rPr sz="500" dirty="0">
-                <a:latin typeface="MS UI Gothic"/>
-                <a:cs typeface="MS UI Gothic"/>
-              </a:rPr>
-              <a:t>●</a:t>
-            </a:r>
-            <a:endParaRPr sz="500">
-              <a:latin typeface="MS UI Gothic"/>
-              <a:cs typeface="MS UI Gothic"/>
-            </a:endParaRPr>
-          </a:p>
-        </p:txBody>
-      </p:sp>
-      <p:sp>
-        <p:nvSpPr>
-          <p:cNvPr id="6" name="object 6"/>
-          <p:cNvSpPr txBox="1"/>
-          <p:nvPr/>
-        </p:nvSpPr>
-        <p:spPr>
-          <a:xfrm>
-            <a:off x="5194680" y="1764157"/>
-            <a:ext cx="88900" cy="101600"/>
-          </a:xfrm>
-          <a:prstGeom prst="rect">
-            <a:avLst/>
-          </a:prstGeom>
-        </p:spPr>
-        <p:txBody>
-          <a:bodyPr vert="horz" wrap="square" lIns="0" tIns="12065" rIns="0" bIns="0" rtlCol="0">
-            <a:spAutoFit/>
-          </a:bodyPr>
-          <a:lstStyle/>
-          <a:p>
-            <a:pPr marL="12700">
-              <a:lnSpc>
-                <a:spcPct val="100000"/>
-              </a:lnSpc>
-              <a:spcBef>
-                <a:spcPts val="95"/>
-              </a:spcBef>
-            </a:pPr>
-            <a:r>
-              <a:rPr sz="500" dirty="0">
-                <a:latin typeface="MS UI Gothic"/>
-                <a:cs typeface="MS UI Gothic"/>
-              </a:rPr>
-              <a:t>●</a:t>
-            </a:r>
-            <a:endParaRPr sz="500">
-              <a:latin typeface="MS UI Gothic"/>
-              <a:cs typeface="MS UI Gothic"/>
-            </a:endParaRPr>
-          </a:p>
-        </p:txBody>
-      </p:sp>
-      <p:sp>
-        <p:nvSpPr>
-          <p:cNvPr id="7" name="object 7"/>
-          <p:cNvSpPr/>
-          <p:nvPr/>
-        </p:nvSpPr>
-        <p:spPr>
-          <a:xfrm>
-            <a:off x="640080" y="227965"/>
-            <a:ext cx="0" cy="1758950"/>
-          </a:xfrm>
-          <a:custGeom>
-            <a:avLst/>
-            <a:gdLst/>
-            <a:ahLst/>
-            <a:cxnLst/>
-            <a:rect l="l" t="t" r="r" b="b"/>
-            <a:pathLst>
-              <a:path h="1758950">
-                <a:moveTo>
-                  <a:pt x="0" y="1758442"/>
-                </a:moveTo>
-                <a:lnTo>
-                  <a:pt x="0" y="0"/>
-                </a:lnTo>
-              </a:path>
-            </a:pathLst>
-          </a:custGeom>
-          <a:ln w="9525">
-            <a:solidFill>
-              <a:srgbClr val="000000"/>
-            </a:solidFill>
-          </a:ln>
-        </p:spPr>
-        <p:txBody>
-          <a:bodyPr wrap="square" lIns="0" tIns="0" rIns="0" bIns="0" rtlCol="0"/>
-          <a:lstStyle/>
-          <a:p>
-            <a:endParaRPr/>
-          </a:p>
-        </p:txBody>
-      </p:sp>
-      <p:sp>
-        <p:nvSpPr>
-          <p:cNvPr id="8" name="object 8"/>
-          <p:cNvSpPr/>
-          <p:nvPr/>
-        </p:nvSpPr>
-        <p:spPr>
-          <a:xfrm>
-            <a:off x="548640" y="1986407"/>
-            <a:ext cx="91440" cy="0"/>
-          </a:xfrm>
-          <a:custGeom>
-            <a:avLst/>
-            <a:gdLst/>
-            <a:ahLst/>
-            <a:cxnLst/>
-            <a:rect l="l" t="t" r="r" b="b"/>
-            <a:pathLst>
-              <a:path w="91440">
-                <a:moveTo>
-                  <a:pt x="91439" y="0"/>
-                </a:moveTo>
-                <a:lnTo>
-                  <a:pt x="0" y="0"/>
-                </a:lnTo>
-              </a:path>
-            </a:pathLst>
-          </a:custGeom>
-          <a:ln w="9525">
-            <a:solidFill>
-              <a:srgbClr val="000000"/>
-            </a:solidFill>
-          </a:ln>
-        </p:spPr>
-        <p:txBody>
-          <a:bodyPr wrap="square" lIns="0" tIns="0" rIns="0" bIns="0" rtlCol="0"/>
-          <a:lstStyle/>
-          <a:p>
-            <a:endParaRPr/>
-          </a:p>
-        </p:txBody>
-      </p:sp>
-      <p:sp>
-        <p:nvSpPr>
-          <p:cNvPr id="9" name="object 9"/>
-          <p:cNvSpPr/>
-          <p:nvPr/>
-        </p:nvSpPr>
-        <p:spPr>
-          <a:xfrm>
-            <a:off x="548640" y="1634744"/>
-            <a:ext cx="91440" cy="0"/>
-          </a:xfrm>
-          <a:custGeom>
-            <a:avLst/>
-            <a:gdLst/>
-            <a:ahLst/>
-            <a:cxnLst/>
-            <a:rect l="l" t="t" r="r" b="b"/>
-            <a:pathLst>
-              <a:path w="91440">
-                <a:moveTo>
-                  <a:pt x="91439" y="0"/>
-                </a:moveTo>
-                <a:lnTo>
-                  <a:pt x="0" y="0"/>
-                </a:lnTo>
-              </a:path>
-            </a:pathLst>
-          </a:custGeom>
-          <a:ln w="9525">
-            <a:solidFill>
-              <a:srgbClr val="000000"/>
-            </a:solidFill>
-          </a:ln>
-        </p:spPr>
-        <p:txBody>
-          <a:bodyPr wrap="square" lIns="0" tIns="0" rIns="0" bIns="0" rtlCol="0"/>
-          <a:lstStyle/>
-          <a:p>
-            <a:endParaRPr/>
-          </a:p>
-        </p:txBody>
-      </p:sp>
-      <p:sp>
-        <p:nvSpPr>
-          <p:cNvPr id="10" name="object 10"/>
-          <p:cNvSpPr/>
-          <p:nvPr/>
-        </p:nvSpPr>
-        <p:spPr>
-          <a:xfrm>
-            <a:off x="548640" y="1283080"/>
-            <a:ext cx="91440" cy="0"/>
-          </a:xfrm>
-          <a:custGeom>
-            <a:avLst/>
-            <a:gdLst/>
-            <a:ahLst/>
-            <a:cxnLst/>
-            <a:rect l="l" t="t" r="r" b="b"/>
-            <a:pathLst>
-              <a:path w="91440">
-                <a:moveTo>
-                  <a:pt x="91439" y="0"/>
-                </a:moveTo>
-                <a:lnTo>
-                  <a:pt x="0" y="0"/>
-                </a:lnTo>
-              </a:path>
-            </a:pathLst>
-          </a:custGeom>
-          <a:ln w="9525">
-            <a:solidFill>
-              <a:srgbClr val="000000"/>
-            </a:solidFill>
-          </a:ln>
-        </p:spPr>
-        <p:txBody>
-          <a:bodyPr wrap="square" lIns="0" tIns="0" rIns="0" bIns="0" rtlCol="0"/>
-          <a:lstStyle/>
-          <a:p>
-            <a:endParaRPr/>
-          </a:p>
-        </p:txBody>
-      </p:sp>
-      <p:sp>
-        <p:nvSpPr>
-          <p:cNvPr id="11" name="object 11"/>
-          <p:cNvSpPr/>
-          <p:nvPr/>
-        </p:nvSpPr>
-        <p:spPr>
-          <a:xfrm>
-            <a:off x="548640" y="931291"/>
-            <a:ext cx="91440" cy="0"/>
-          </a:xfrm>
-          <a:custGeom>
-            <a:avLst/>
-            <a:gdLst/>
-            <a:ahLst/>
-            <a:cxnLst/>
-            <a:rect l="l" t="t" r="r" b="b"/>
-            <a:pathLst>
-              <a:path w="91440">
-                <a:moveTo>
-                  <a:pt x="91439" y="0"/>
-                </a:moveTo>
-                <a:lnTo>
-                  <a:pt x="0" y="0"/>
-                </a:lnTo>
-              </a:path>
-            </a:pathLst>
-          </a:custGeom>
-          <a:ln w="9525">
-            <a:solidFill>
-              <a:srgbClr val="000000"/>
-            </a:solidFill>
-          </a:ln>
-        </p:spPr>
-        <p:txBody>
-          <a:bodyPr wrap="square" lIns="0" tIns="0" rIns="0" bIns="0" rtlCol="0"/>
-          <a:lstStyle/>
-          <a:p>
-            <a:endParaRPr/>
-          </a:p>
-        </p:txBody>
-      </p:sp>
-      <p:sp>
-        <p:nvSpPr>
-          <p:cNvPr id="12" name="object 12"/>
-          <p:cNvSpPr/>
-          <p:nvPr/>
-        </p:nvSpPr>
-        <p:spPr>
-          <a:xfrm>
-            <a:off x="548640" y="579627"/>
-            <a:ext cx="91440" cy="0"/>
-          </a:xfrm>
-          <a:custGeom>
-            <a:avLst/>
-            <a:gdLst/>
-            <a:ahLst/>
-            <a:cxnLst/>
-            <a:rect l="l" t="t" r="r" b="b"/>
-            <a:pathLst>
-              <a:path w="91440">
-                <a:moveTo>
-                  <a:pt x="91439" y="0"/>
-                </a:moveTo>
-                <a:lnTo>
-                  <a:pt x="0" y="0"/>
-                </a:lnTo>
-              </a:path>
-            </a:pathLst>
-          </a:custGeom>
-          <a:ln w="9525">
-            <a:solidFill>
-              <a:srgbClr val="000000"/>
-            </a:solidFill>
-          </a:ln>
-        </p:spPr>
-        <p:txBody>
-          <a:bodyPr wrap="square" lIns="0" tIns="0" rIns="0" bIns="0" rtlCol="0"/>
-          <a:lstStyle/>
-          <a:p>
-            <a:endParaRPr/>
-          </a:p>
-        </p:txBody>
-      </p:sp>
-      <p:sp>
-        <p:nvSpPr>
-          <p:cNvPr id="13" name="object 13"/>
-          <p:cNvSpPr/>
-          <p:nvPr/>
-        </p:nvSpPr>
-        <p:spPr>
-          <a:xfrm>
-            <a:off x="548640" y="227965"/>
-            <a:ext cx="91440" cy="0"/>
-          </a:xfrm>
-          <a:custGeom>
-            <a:avLst/>
-            <a:gdLst/>
-            <a:ahLst/>
-            <a:cxnLst/>
-            <a:rect l="l" t="t" r="r" b="b"/>
-            <a:pathLst>
-              <a:path w="91440">
-                <a:moveTo>
-                  <a:pt x="91439" y="0"/>
-                </a:moveTo>
-                <a:lnTo>
-                  <a:pt x="0" y="0"/>
-                </a:lnTo>
-              </a:path>
-            </a:pathLst>
-          </a:custGeom>
-          <a:ln w="9525">
-            <a:solidFill>
-              <a:srgbClr val="000000"/>
-            </a:solidFill>
-          </a:ln>
-        </p:spPr>
-        <p:txBody>
-          <a:bodyPr wrap="square" lIns="0" tIns="0" rIns="0" bIns="0" rtlCol="0"/>
-          <a:lstStyle/>
-          <a:p>
-            <a:endParaRPr/>
-          </a:p>
-        </p:txBody>
-      </p:sp>
-      <p:sp>
-        <p:nvSpPr>
-          <p:cNvPr id="14" name="object 14"/>
           <p:cNvSpPr/>
           <p:nvPr/>
         </p:nvSpPr>
@@ -2159,39 +1933,37 @@
         <p:txBody>
           <a:bodyPr wrap="square" lIns="0" tIns="0" rIns="0" bIns="0" rtlCol="0"/>
           <a:lstStyle/>
-          <a:p>
-            <a:endParaRPr/>
-          </a:p>
-        </p:txBody>
-      </p:sp>
-      <p:sp>
-        <p:nvSpPr>
-          <p:cNvPr id="15" name="object 15"/>
+          <a:p/>
+        </p:txBody>
+      </p:sp>
+      <p:sp>
+        <p:nvSpPr>
+          <p:cNvPr id="5" name="object 5"/>
           <p:cNvSpPr txBox="1"/>
           <p:nvPr/>
         </p:nvSpPr>
         <p:spPr>
           <a:xfrm>
-            <a:off x="41360" y="109326"/>
-            <a:ext cx="424815" cy="1995805"/>
+            <a:off x="41360" y="269523"/>
+            <a:ext cx="424815" cy="1156970"/>
           </a:xfrm>
           <a:prstGeom prst="rect">
             <a:avLst/>
           </a:prstGeom>
         </p:spPr>
         <p:txBody>
-          <a:bodyPr vert="vert270" wrap="square" lIns="0" tIns="0" rIns="0" bIns="0" rtlCol="0">
+          <a:bodyPr wrap="square" lIns="0" tIns="0" rIns="0" bIns="0" rtlCol="0" vert="vert270">
             <a:spAutoFit/>
           </a:bodyPr>
           <a:lstStyle/>
           <a:p>
-            <a:pPr marR="63500" algn="ctr">
+            <a:pPr marL="62865">
               <a:lnSpc>
                 <a:spcPts val="1425"/>
               </a:lnSpc>
             </a:pPr>
             <a:r>
-              <a:rPr sz="1200" dirty="0">
+              <a:rPr dirty="0" sz="1200">
                 <a:latin typeface="Arial"/>
                 <a:cs typeface="Arial"/>
               </a:rPr>
@@ -2203,7 +1975,7 @@
             </a:endParaRPr>
           </a:p>
           <a:p>
-            <a:pPr algn="ctr">
+            <a:pPr marL="12700">
               <a:lnSpc>
                 <a:spcPct val="100000"/>
               </a:lnSpc>
@@ -2211,19 +1983,17 @@
                 <a:spcPts val="360"/>
               </a:spcBef>
               <a:tabLst>
-                <a:tab pos="351155" algn="l"/>
-                <a:tab pos="702945" algn="l"/>
-                <a:tab pos="1054735" algn="l"/>
-                <a:tab pos="1406525" algn="l"/>
-                <a:tab pos="1758314" algn="l"/>
+                <a:tab pos="332740" algn="l"/>
+                <a:tab pos="653415" algn="l"/>
+                <a:tab pos="974090" algn="l"/>
               </a:tabLst>
             </a:pPr>
             <a:r>
-              <a:rPr sz="1200" dirty="0">
-                <a:latin typeface="Arial"/>
-                <a:cs typeface="Arial"/>
-              </a:rPr>
-              <a:t>7.6	7.8	8.0	8.2	8.4	8.6</a:t>
+              <a:rPr dirty="0" sz="1200">
+                <a:latin typeface="Arial"/>
+                <a:cs typeface="Arial"/>
+              </a:rPr>
+              <a:t>10	11	12	13</a:t>
             </a:r>
             <a:endParaRPr sz="1200">
               <a:latin typeface="Arial"/>
@@ -2234,14 +2004,14 @@
       </p:sp>
       <p:sp>
         <p:nvSpPr>
-          <p:cNvPr id="16" name="object 16"/>
+          <p:cNvPr id="6" name="object 6"/>
           <p:cNvSpPr/>
           <p:nvPr/>
         </p:nvSpPr>
         <p:spPr>
           <a:xfrm>
-            <a:off x="1168400" y="2103120"/>
-            <a:ext cx="4064000" cy="0"/>
+            <a:off x="1045210" y="2103120"/>
+            <a:ext cx="4310380" cy="0"/>
           </a:xfrm>
           <a:custGeom>
             <a:avLst/>
@@ -2250,12 +2020,12 @@
             <a:cxnLst/>
             <a:rect l="l" t="t" r="r" b="b"/>
             <a:pathLst>
-              <a:path w="4064000">
+              <a:path w="4310380" h="0">
                 <a:moveTo>
                   <a:pt x="0" y="0"/>
                 </a:moveTo>
                 <a:lnTo>
-                  <a:pt x="4064000" y="0"/>
+                  <a:pt x="4310380" y="0"/>
                 </a:lnTo>
               </a:path>
             </a:pathLst>
@@ -2269,20 +2039,18 @@
         <p:txBody>
           <a:bodyPr wrap="square" lIns="0" tIns="0" rIns="0" bIns="0" rtlCol="0"/>
           <a:lstStyle/>
-          <a:p>
-            <a:endParaRPr/>
-          </a:p>
-        </p:txBody>
-      </p:sp>
-      <p:sp>
-        <p:nvSpPr>
-          <p:cNvPr id="17" name="object 17"/>
+          <a:p/>
+        </p:txBody>
+      </p:sp>
+      <p:sp>
+        <p:nvSpPr>
+          <p:cNvPr id="7" name="object 7"/>
           <p:cNvSpPr/>
           <p:nvPr/>
         </p:nvSpPr>
         <p:spPr>
           <a:xfrm>
-            <a:off x="1168400" y="2103120"/>
+            <a:off x="1045210" y="2103120"/>
             <a:ext cx="0" cy="91440"/>
           </a:xfrm>
           <a:custGeom>
@@ -2292,7 +2060,7 @@
             <a:cxnLst/>
             <a:rect l="l" t="t" r="r" b="b"/>
             <a:pathLst>
-              <a:path h="91439">
+              <a:path w="0" h="91439">
                 <a:moveTo>
                   <a:pt x="0" y="0"/>
                 </a:moveTo>
@@ -2311,20 +2079,18 @@
         <p:txBody>
           <a:bodyPr wrap="square" lIns="0" tIns="0" rIns="0" bIns="0" rtlCol="0"/>
           <a:lstStyle/>
-          <a:p>
-            <a:endParaRPr/>
-          </a:p>
-        </p:txBody>
-      </p:sp>
-      <p:sp>
-        <p:nvSpPr>
-          <p:cNvPr id="18" name="object 18"/>
+          <a:p/>
+        </p:txBody>
+      </p:sp>
+      <p:sp>
+        <p:nvSpPr>
+          <p:cNvPr id="8" name="object 8"/>
           <p:cNvSpPr/>
           <p:nvPr/>
         </p:nvSpPr>
         <p:spPr>
           <a:xfrm>
-            <a:off x="1845691" y="2103120"/>
+            <a:off x="1476247" y="2103120"/>
             <a:ext cx="0" cy="91440"/>
           </a:xfrm>
           <a:custGeom>
@@ -2334,7 +2100,7 @@
             <a:cxnLst/>
             <a:rect l="l" t="t" r="r" b="b"/>
             <a:pathLst>
-              <a:path h="91439">
+              <a:path w="0" h="91439">
                 <a:moveTo>
                   <a:pt x="0" y="0"/>
                 </a:moveTo>
@@ -2353,20 +2119,18 @@
         <p:txBody>
           <a:bodyPr wrap="square" lIns="0" tIns="0" rIns="0" bIns="0" rtlCol="0"/>
           <a:lstStyle/>
-          <a:p>
-            <a:endParaRPr/>
-          </a:p>
-        </p:txBody>
-      </p:sp>
-      <p:sp>
-        <p:nvSpPr>
-          <p:cNvPr id="19" name="object 19"/>
+          <a:p/>
+        </p:txBody>
+      </p:sp>
+      <p:sp>
+        <p:nvSpPr>
+          <p:cNvPr id="9" name="object 9"/>
           <p:cNvSpPr/>
           <p:nvPr/>
         </p:nvSpPr>
         <p:spPr>
           <a:xfrm>
-            <a:off x="2523108" y="2103120"/>
+            <a:off x="1907285" y="2103120"/>
             <a:ext cx="0" cy="91440"/>
           </a:xfrm>
           <a:custGeom>
@@ -2376,7 +2140,7 @@
             <a:cxnLst/>
             <a:rect l="l" t="t" r="r" b="b"/>
             <a:pathLst>
-              <a:path h="91439">
+              <a:path w="0" h="91439">
                 <a:moveTo>
                   <a:pt x="0" y="0"/>
                 </a:moveTo>
@@ -2395,20 +2159,18 @@
         <p:txBody>
           <a:bodyPr wrap="square" lIns="0" tIns="0" rIns="0" bIns="0" rtlCol="0"/>
           <a:lstStyle/>
-          <a:p>
-            <a:endParaRPr/>
-          </a:p>
-        </p:txBody>
-      </p:sp>
-      <p:sp>
-        <p:nvSpPr>
-          <p:cNvPr id="20" name="object 20"/>
+          <a:p/>
+        </p:txBody>
+      </p:sp>
+      <p:sp>
+        <p:nvSpPr>
+          <p:cNvPr id="10" name="object 10"/>
           <p:cNvSpPr/>
           <p:nvPr/>
         </p:nvSpPr>
         <p:spPr>
           <a:xfrm>
-            <a:off x="3200400" y="2103120"/>
+            <a:off x="2338323" y="2103120"/>
             <a:ext cx="0" cy="91440"/>
           </a:xfrm>
           <a:custGeom>
@@ -2418,7 +2180,7 @@
             <a:cxnLst/>
             <a:rect l="l" t="t" r="r" b="b"/>
             <a:pathLst>
-              <a:path h="91439">
+              <a:path w="0" h="91439">
                 <a:moveTo>
                   <a:pt x="0" y="0"/>
                 </a:moveTo>
@@ -2437,20 +2199,18 @@
         <p:txBody>
           <a:bodyPr wrap="square" lIns="0" tIns="0" rIns="0" bIns="0" rtlCol="0"/>
           <a:lstStyle/>
-          <a:p>
-            <a:endParaRPr/>
-          </a:p>
-        </p:txBody>
-      </p:sp>
-      <p:sp>
-        <p:nvSpPr>
-          <p:cNvPr id="21" name="object 21"/>
+          <a:p/>
+        </p:txBody>
+      </p:sp>
+      <p:sp>
+        <p:nvSpPr>
+          <p:cNvPr id="11" name="object 11"/>
           <p:cNvSpPr/>
           <p:nvPr/>
         </p:nvSpPr>
         <p:spPr>
           <a:xfrm>
-            <a:off x="3877690" y="2103120"/>
+            <a:off x="2769361" y="2103120"/>
             <a:ext cx="0" cy="91440"/>
           </a:xfrm>
           <a:custGeom>
@@ -2460,7 +2220,7 @@
             <a:cxnLst/>
             <a:rect l="l" t="t" r="r" b="b"/>
             <a:pathLst>
-              <a:path h="91439">
+              <a:path w="0" h="91439">
                 <a:moveTo>
                   <a:pt x="0" y="0"/>
                 </a:moveTo>
@@ -2479,20 +2239,18 @@
         <p:txBody>
           <a:bodyPr wrap="square" lIns="0" tIns="0" rIns="0" bIns="0" rtlCol="0"/>
           <a:lstStyle/>
-          <a:p>
-            <a:endParaRPr/>
-          </a:p>
-        </p:txBody>
-      </p:sp>
-      <p:sp>
-        <p:nvSpPr>
-          <p:cNvPr id="22" name="object 22"/>
+          <a:p/>
+        </p:txBody>
+      </p:sp>
+      <p:sp>
+        <p:nvSpPr>
+          <p:cNvPr id="12" name="object 12"/>
           <p:cNvSpPr/>
           <p:nvPr/>
         </p:nvSpPr>
         <p:spPr>
           <a:xfrm>
-            <a:off x="4555109" y="2103120"/>
+            <a:off x="3200400" y="2103120"/>
             <a:ext cx="0" cy="91440"/>
           </a:xfrm>
           <a:custGeom>
@@ -2502,7 +2260,7 @@
             <a:cxnLst/>
             <a:rect l="l" t="t" r="r" b="b"/>
             <a:pathLst>
-              <a:path h="91439">
+              <a:path w="0" h="91439">
                 <a:moveTo>
                   <a:pt x="0" y="0"/>
                 </a:moveTo>
@@ -2521,20 +2279,18 @@
         <p:txBody>
           <a:bodyPr wrap="square" lIns="0" tIns="0" rIns="0" bIns="0" rtlCol="0"/>
           <a:lstStyle/>
-          <a:p>
-            <a:endParaRPr/>
-          </a:p>
-        </p:txBody>
-      </p:sp>
-      <p:sp>
-        <p:nvSpPr>
-          <p:cNvPr id="23" name="object 23"/>
+          <a:p/>
+        </p:txBody>
+      </p:sp>
+      <p:sp>
+        <p:nvSpPr>
+          <p:cNvPr id="13" name="object 13"/>
           <p:cNvSpPr/>
           <p:nvPr/>
         </p:nvSpPr>
         <p:spPr>
           <a:xfrm>
-            <a:off x="5232400" y="2103120"/>
+            <a:off x="3631438" y="2103120"/>
             <a:ext cx="0" cy="91440"/>
           </a:xfrm>
           <a:custGeom>
@@ -2544,7 +2300,7 @@
             <a:cxnLst/>
             <a:rect l="l" t="t" r="r" b="b"/>
             <a:pathLst>
-              <a:path h="91439">
+              <a:path w="0" h="91439">
                 <a:moveTo>
                   <a:pt x="0" y="0"/>
                 </a:moveTo>
@@ -2563,20 +2319,178 @@
         <p:txBody>
           <a:bodyPr wrap="square" lIns="0" tIns="0" rIns="0" bIns="0" rtlCol="0"/>
           <a:lstStyle/>
-          <a:p>
-            <a:endParaRPr/>
-          </a:p>
-        </p:txBody>
-      </p:sp>
-      <p:sp>
-        <p:nvSpPr>
-          <p:cNvPr id="24" name="object 24"/>
+          <a:p/>
+        </p:txBody>
+      </p:sp>
+      <p:sp>
+        <p:nvSpPr>
+          <p:cNvPr id="14" name="object 14"/>
+          <p:cNvSpPr/>
+          <p:nvPr/>
+        </p:nvSpPr>
+        <p:spPr>
+          <a:xfrm>
+            <a:off x="4062476" y="2103120"/>
+            <a:ext cx="0" cy="91440"/>
+          </a:xfrm>
+          <a:custGeom>
+            <a:avLst/>
+            <a:gdLst/>
+            <a:ahLst/>
+            <a:cxnLst/>
+            <a:rect l="l" t="t" r="r" b="b"/>
+            <a:pathLst>
+              <a:path w="0" h="91439">
+                <a:moveTo>
+                  <a:pt x="0" y="0"/>
+                </a:moveTo>
+                <a:lnTo>
+                  <a:pt x="0" y="91440"/>
+                </a:lnTo>
+              </a:path>
+            </a:pathLst>
+          </a:custGeom>
+          <a:ln w="9525">
+            <a:solidFill>
+              <a:srgbClr val="000000"/>
+            </a:solidFill>
+          </a:ln>
+        </p:spPr>
+        <p:txBody>
+          <a:bodyPr wrap="square" lIns="0" tIns="0" rIns="0" bIns="0" rtlCol="0"/>
+          <a:lstStyle/>
+          <a:p/>
+        </p:txBody>
+      </p:sp>
+      <p:sp>
+        <p:nvSpPr>
+          <p:cNvPr id="15" name="object 15"/>
+          <p:cNvSpPr/>
+          <p:nvPr/>
+        </p:nvSpPr>
+        <p:spPr>
+          <a:xfrm>
+            <a:off x="4493514" y="2103120"/>
+            <a:ext cx="0" cy="91440"/>
+          </a:xfrm>
+          <a:custGeom>
+            <a:avLst/>
+            <a:gdLst/>
+            <a:ahLst/>
+            <a:cxnLst/>
+            <a:rect l="l" t="t" r="r" b="b"/>
+            <a:pathLst>
+              <a:path w="0" h="91439">
+                <a:moveTo>
+                  <a:pt x="0" y="0"/>
+                </a:moveTo>
+                <a:lnTo>
+                  <a:pt x="0" y="91440"/>
+                </a:lnTo>
+              </a:path>
+            </a:pathLst>
+          </a:custGeom>
+          <a:ln w="9525">
+            <a:solidFill>
+              <a:srgbClr val="000000"/>
+            </a:solidFill>
+          </a:ln>
+        </p:spPr>
+        <p:txBody>
+          <a:bodyPr wrap="square" lIns="0" tIns="0" rIns="0" bIns="0" rtlCol="0"/>
+          <a:lstStyle/>
+          <a:p/>
+        </p:txBody>
+      </p:sp>
+      <p:sp>
+        <p:nvSpPr>
+          <p:cNvPr id="16" name="object 16"/>
+          <p:cNvSpPr/>
+          <p:nvPr/>
+        </p:nvSpPr>
+        <p:spPr>
+          <a:xfrm>
+            <a:off x="4924552" y="2103120"/>
+            <a:ext cx="0" cy="91440"/>
+          </a:xfrm>
+          <a:custGeom>
+            <a:avLst/>
+            <a:gdLst/>
+            <a:ahLst/>
+            <a:cxnLst/>
+            <a:rect l="l" t="t" r="r" b="b"/>
+            <a:pathLst>
+              <a:path w="0" h="91439">
+                <a:moveTo>
+                  <a:pt x="0" y="0"/>
+                </a:moveTo>
+                <a:lnTo>
+                  <a:pt x="0" y="91440"/>
+                </a:lnTo>
+              </a:path>
+            </a:pathLst>
+          </a:custGeom>
+          <a:ln w="9525">
+            <a:solidFill>
+              <a:srgbClr val="000000"/>
+            </a:solidFill>
+          </a:ln>
+        </p:spPr>
+        <p:txBody>
+          <a:bodyPr wrap="square" lIns="0" tIns="0" rIns="0" bIns="0" rtlCol="0"/>
+          <a:lstStyle/>
+          <a:p/>
+        </p:txBody>
+      </p:sp>
+      <p:sp>
+        <p:nvSpPr>
+          <p:cNvPr id="17" name="object 17"/>
+          <p:cNvSpPr/>
+          <p:nvPr/>
+        </p:nvSpPr>
+        <p:spPr>
+          <a:xfrm>
+            <a:off x="5355590" y="2103120"/>
+            <a:ext cx="0" cy="91440"/>
+          </a:xfrm>
+          <a:custGeom>
+            <a:avLst/>
+            <a:gdLst/>
+            <a:ahLst/>
+            <a:cxnLst/>
+            <a:rect l="l" t="t" r="r" b="b"/>
+            <a:pathLst>
+              <a:path w="0" h="91439">
+                <a:moveTo>
+                  <a:pt x="0" y="0"/>
+                </a:moveTo>
+                <a:lnTo>
+                  <a:pt x="0" y="91440"/>
+                </a:lnTo>
+              </a:path>
+            </a:pathLst>
+          </a:custGeom>
+          <a:ln w="9525">
+            <a:solidFill>
+              <a:srgbClr val="000000"/>
+            </a:solidFill>
+          </a:ln>
+        </p:spPr>
+        <p:txBody>
+          <a:bodyPr wrap="square" lIns="0" tIns="0" rIns="0" bIns="0" rtlCol="0"/>
+          <a:lstStyle/>
+          <a:p/>
+        </p:txBody>
+      </p:sp>
+      <p:sp>
+        <p:nvSpPr>
+          <p:cNvPr id="18" name="object 18"/>
           <p:cNvSpPr txBox="1"/>
           <p:nvPr/>
         </p:nvSpPr>
         <p:spPr>
           <a:xfrm>
-            <a:off x="1113282" y="2267204"/>
+            <a:off x="990219" y="2267204"/>
             <a:ext cx="110489" cy="208279"/>
           </a:xfrm>
           <a:prstGeom prst="rect">
@@ -2584,7 +2498,7 @@
           </a:prstGeom>
         </p:spPr>
         <p:txBody>
-          <a:bodyPr vert="horz" wrap="square" lIns="0" tIns="12700" rIns="0" bIns="0" rtlCol="0">
+          <a:bodyPr wrap="square" lIns="0" tIns="12700" rIns="0" bIns="0" rtlCol="0" vert="horz">
             <a:spAutoFit/>
           </a:bodyPr>
           <a:lstStyle/>
@@ -2598,7 +2512,7 @@
               </a:spcBef>
             </a:pPr>
             <a:r>
-              <a:rPr sz="1200" dirty="0">
+              <a:rPr dirty="0" sz="1200">
                 <a:latin typeface="Arial"/>
                 <a:cs typeface="Arial"/>
               </a:rPr>
@@ -2613,13 +2527,13 @@
       </p:sp>
       <p:sp>
         <p:nvSpPr>
-          <p:cNvPr id="25" name="object 25"/>
+          <p:cNvPr id="19" name="object 19"/>
           <p:cNvSpPr txBox="1"/>
           <p:nvPr/>
         </p:nvSpPr>
         <p:spPr>
           <a:xfrm>
-            <a:off x="1790700" y="2267204"/>
+            <a:off x="1421257" y="2267204"/>
             <a:ext cx="110489" cy="208279"/>
           </a:xfrm>
           <a:prstGeom prst="rect">
@@ -2627,7 +2541,7 @@
           </a:prstGeom>
         </p:spPr>
         <p:txBody>
-          <a:bodyPr vert="horz" wrap="square" lIns="0" tIns="12700" rIns="0" bIns="0" rtlCol="0">
+          <a:bodyPr wrap="square" lIns="0" tIns="12700" rIns="0" bIns="0" rtlCol="0" vert="horz">
             <a:spAutoFit/>
           </a:bodyPr>
           <a:lstStyle/>
@@ -2641,7 +2555,7 @@
               </a:spcBef>
             </a:pPr>
             <a:r>
-              <a:rPr sz="1200" dirty="0">
+              <a:rPr dirty="0" sz="1200">
                 <a:latin typeface="Arial"/>
                 <a:cs typeface="Arial"/>
               </a:rPr>
@@ -2656,13 +2570,13 @@
       </p:sp>
       <p:sp>
         <p:nvSpPr>
-          <p:cNvPr id="26" name="object 26"/>
+          <p:cNvPr id="20" name="object 20"/>
           <p:cNvSpPr txBox="1"/>
           <p:nvPr/>
         </p:nvSpPr>
         <p:spPr>
           <a:xfrm>
-            <a:off x="2467991" y="2267204"/>
+            <a:off x="1852295" y="2267204"/>
             <a:ext cx="110489" cy="208279"/>
           </a:xfrm>
           <a:prstGeom prst="rect">
@@ -2670,7 +2584,7 @@
           </a:prstGeom>
         </p:spPr>
         <p:txBody>
-          <a:bodyPr vert="horz" wrap="square" lIns="0" tIns="12700" rIns="0" bIns="0" rtlCol="0">
+          <a:bodyPr wrap="square" lIns="0" tIns="12700" rIns="0" bIns="0" rtlCol="0" vert="horz">
             <a:spAutoFit/>
           </a:bodyPr>
           <a:lstStyle/>
@@ -2684,7 +2598,7 @@
               </a:spcBef>
             </a:pPr>
             <a:r>
-              <a:rPr sz="1200" dirty="0">
+              <a:rPr dirty="0" sz="1200">
                 <a:latin typeface="Arial"/>
                 <a:cs typeface="Arial"/>
               </a:rPr>
@@ -2699,7 +2613,93 @@
       </p:sp>
       <p:sp>
         <p:nvSpPr>
-          <p:cNvPr id="27" name="object 27"/>
+          <p:cNvPr id="21" name="object 21"/>
+          <p:cNvSpPr txBox="1"/>
+          <p:nvPr/>
+        </p:nvSpPr>
+        <p:spPr>
+          <a:xfrm>
+            <a:off x="2283332" y="2267204"/>
+            <a:ext cx="110489" cy="208279"/>
+          </a:xfrm>
+          <a:prstGeom prst="rect">
+            <a:avLst/>
+          </a:prstGeom>
+        </p:spPr>
+        <p:txBody>
+          <a:bodyPr wrap="square" lIns="0" tIns="12700" rIns="0" bIns="0" rtlCol="0" vert="horz">
+            <a:spAutoFit/>
+          </a:bodyPr>
+          <a:lstStyle/>
+          <a:p>
+            <a:pPr marL="12700">
+              <a:lnSpc>
+                <a:spcPct val="100000"/>
+              </a:lnSpc>
+              <a:spcBef>
+                <a:spcPts val="100"/>
+              </a:spcBef>
+            </a:pPr>
+            <a:r>
+              <a:rPr dirty="0" sz="1200">
+                <a:latin typeface="Arial"/>
+                <a:cs typeface="Arial"/>
+              </a:rPr>
+              <a:t>4</a:t>
+            </a:r>
+            <a:endParaRPr sz="1200">
+              <a:latin typeface="Arial"/>
+              <a:cs typeface="Arial"/>
+            </a:endParaRPr>
+          </a:p>
+        </p:txBody>
+      </p:sp>
+      <p:sp>
+        <p:nvSpPr>
+          <p:cNvPr id="22" name="object 22"/>
+          <p:cNvSpPr txBox="1"/>
+          <p:nvPr/>
+        </p:nvSpPr>
+        <p:spPr>
+          <a:xfrm>
+            <a:off x="2714244" y="2267204"/>
+            <a:ext cx="110489" cy="208279"/>
+          </a:xfrm>
+          <a:prstGeom prst="rect">
+            <a:avLst/>
+          </a:prstGeom>
+        </p:spPr>
+        <p:txBody>
+          <a:bodyPr wrap="square" lIns="0" tIns="12700" rIns="0" bIns="0" rtlCol="0" vert="horz">
+            <a:spAutoFit/>
+          </a:bodyPr>
+          <a:lstStyle/>
+          <a:p>
+            <a:pPr marL="12700">
+              <a:lnSpc>
+                <a:spcPct val="100000"/>
+              </a:lnSpc>
+              <a:spcBef>
+                <a:spcPts val="100"/>
+              </a:spcBef>
+            </a:pPr>
+            <a:r>
+              <a:rPr dirty="0" sz="1200">
+                <a:latin typeface="Arial"/>
+                <a:cs typeface="Arial"/>
+              </a:rPr>
+              <a:t>5</a:t>
+            </a:r>
+            <a:endParaRPr sz="1200">
+              <a:latin typeface="Arial"/>
+              <a:cs typeface="Arial"/>
+            </a:endParaRPr>
+          </a:p>
+        </p:txBody>
+      </p:sp>
+      <p:sp>
+        <p:nvSpPr>
+          <p:cNvPr id="23" name="object 23"/>
           <p:cNvSpPr txBox="1"/>
           <p:nvPr/>
         </p:nvSpPr>
@@ -2713,7 +2713,7 @@
           </a:prstGeom>
         </p:spPr>
         <p:txBody>
-          <a:bodyPr vert="horz" wrap="square" lIns="0" tIns="58419" rIns="0" bIns="0" rtlCol="0">
+          <a:bodyPr wrap="square" lIns="0" tIns="58419" rIns="0" bIns="0" rtlCol="0" vert="horz">
             <a:spAutoFit/>
           </a:bodyPr>
           <a:lstStyle/>
@@ -2727,11 +2727,11 @@
               </a:spcBef>
             </a:pPr>
             <a:r>
-              <a:rPr sz="1200" dirty="0">
-                <a:latin typeface="Arial"/>
-                <a:cs typeface="Arial"/>
-              </a:rPr>
-              <a:t>4</a:t>
+              <a:rPr dirty="0" sz="1200">
+                <a:latin typeface="Arial"/>
+                <a:cs typeface="Arial"/>
+              </a:rPr>
+              <a:t>6</a:t>
             </a:r>
             <a:endParaRPr sz="1200">
               <a:latin typeface="Arial"/>
@@ -2748,21 +2748,21 @@
               </a:spcBef>
             </a:pPr>
             <a:r>
-              <a:rPr sz="1200" dirty="0">
+              <a:rPr dirty="0" sz="1200">
                 <a:latin typeface="Arial"/>
                 <a:cs typeface="Arial"/>
               </a:rPr>
               <a:t>Ite</a:t>
             </a:r>
             <a:r>
-              <a:rPr sz="1200" spc="-15" dirty="0">
+              <a:rPr dirty="0" sz="1200" spc="-15">
                 <a:latin typeface="Arial"/>
                 <a:cs typeface="Arial"/>
               </a:rPr>
               <a:t>r</a:t>
             </a:r>
             <a:r>
-              <a:rPr sz="1200" dirty="0">
+              <a:rPr dirty="0" sz="1200">
                 <a:latin typeface="Arial"/>
                 <a:cs typeface="Arial"/>
               </a:rPr>
@@ -2777,13 +2777,13 @@
       </p:sp>
       <p:sp>
         <p:nvSpPr>
-          <p:cNvPr id="28" name="object 28"/>
+          <p:cNvPr id="24" name="object 24"/>
           <p:cNvSpPr txBox="1"/>
           <p:nvPr/>
         </p:nvSpPr>
         <p:spPr>
           <a:xfrm>
-            <a:off x="3822700" y="2267204"/>
+            <a:off x="3576320" y="2267204"/>
             <a:ext cx="110489" cy="208279"/>
           </a:xfrm>
           <a:prstGeom prst="rect">
@@ -2791,7 +2791,7 @@
           </a:prstGeom>
         </p:spPr>
         <p:txBody>
-          <a:bodyPr vert="horz" wrap="square" lIns="0" tIns="12700" rIns="0" bIns="0" rtlCol="0">
+          <a:bodyPr wrap="square" lIns="0" tIns="12700" rIns="0" bIns="0" rtlCol="0" vert="horz">
             <a:spAutoFit/>
           </a:bodyPr>
           <a:lstStyle/>
@@ -2805,11 +2805,11 @@
               </a:spcBef>
             </a:pPr>
             <a:r>
-              <a:rPr sz="1200" dirty="0">
-                <a:latin typeface="Arial"/>
-                <a:cs typeface="Arial"/>
-              </a:rPr>
-              <a:t>5</a:t>
+              <a:rPr dirty="0" sz="1200">
+                <a:latin typeface="Arial"/>
+                <a:cs typeface="Arial"/>
+              </a:rPr>
+              <a:t>7</a:t>
             </a:r>
             <a:endParaRPr sz="1200">
               <a:latin typeface="Arial"/>
@@ -2820,71 +2820,21 @@
       </p:sp>
       <p:sp>
         <p:nvSpPr>
-          <p:cNvPr id="29" name="object 29"/>
+          <p:cNvPr id="25" name="object 25"/>
           <p:cNvSpPr txBox="1"/>
           <p:nvPr/>
         </p:nvSpPr>
         <p:spPr>
           <a:xfrm>
-            <a:off x="4499990" y="2267204"/>
-            <a:ext cx="788035" cy="208279"/>
+            <a:off x="4007358" y="2267204"/>
+            <a:ext cx="110489" cy="208279"/>
           </a:xfrm>
           <a:prstGeom prst="rect">
             <a:avLst/>
           </a:prstGeom>
         </p:spPr>
         <p:txBody>
-          <a:bodyPr vert="horz" wrap="square" lIns="0" tIns="12700" rIns="0" bIns="0" rtlCol="0">
-            <a:spAutoFit/>
-          </a:bodyPr>
-          <a:lstStyle/>
-          <a:p>
-            <a:pPr marL="12700">
-              <a:lnSpc>
-                <a:spcPct val="100000"/>
-              </a:lnSpc>
-              <a:spcBef>
-                <a:spcPts val="100"/>
-              </a:spcBef>
-              <a:tabLst>
-                <a:tab pos="689610" algn="l"/>
-              </a:tabLst>
-            </a:pPr>
-            <a:r>
-              <a:rPr sz="1200" dirty="0">
-                <a:latin typeface="Arial"/>
-                <a:cs typeface="Arial"/>
-              </a:rPr>
-              <a:t>6	7</a:t>
-            </a:r>
-            <a:endParaRPr sz="1200">
-              <a:latin typeface="Arial"/>
-              <a:cs typeface="Arial"/>
-            </a:endParaRPr>
-          </a:p>
-        </p:txBody>
-      </p:sp>
-      <p:sp>
-        <p:nvSpPr>
-          <p:cNvPr id="30" name="object 30"/>
-          <p:cNvSpPr txBox="1">
-            <a:spLocks noGrp="1"/>
-          </p:cNvSpPr>
-          <p:nvPr>
-            <p:ph type="title"/>
-          </p:nvPr>
-        </p:nvSpPr>
-        <p:spPr>
-          <a:xfrm>
-            <a:off x="767409" y="276630"/>
-            <a:ext cx="576580" cy="197490"/>
-          </a:xfrm>
-          <a:prstGeom prst="rect">
-            <a:avLst/>
-          </a:prstGeom>
-        </p:spPr>
-        <p:txBody>
-          <a:bodyPr vert="horz" wrap="square" lIns="0" tIns="12700" rIns="0" bIns="0" rtlCol="0">
+          <a:bodyPr wrap="square" lIns="0" tIns="12700" rIns="0" bIns="0" rtlCol="0" vert="horz">
             <a:spAutoFit/>
           </a:bodyPr>
           <a:lstStyle/>
@@ -2898,104 +2848,355 @@
               </a:spcBef>
             </a:pPr>
             <a:r>
-              <a:rPr lang="en-US" dirty="0"/>
-              <a:t>2°</a:t>
-            </a:r>
-            <a:r>
-              <a:rPr spc="-80" dirty="0"/>
-              <a:t> </a:t>
-            </a:r>
-            <a:r>
-              <a:rPr dirty="0"/>
-              <a:t>SVI</a:t>
-            </a:r>
+              <a:rPr dirty="0" sz="1200">
+                <a:latin typeface="Arial"/>
+                <a:cs typeface="Arial"/>
+              </a:rPr>
+              <a:t>8</a:t>
+            </a:r>
+            <a:endParaRPr sz="1200">
+              <a:latin typeface="Arial"/>
+              <a:cs typeface="Arial"/>
+            </a:endParaRPr>
           </a:p>
         </p:txBody>
       </p:sp>
       <p:sp>
         <p:nvSpPr>
-          <p:cNvPr id="31" name="object 31"/>
+          <p:cNvPr id="26" name="object 26"/>
           <p:cNvSpPr txBox="1"/>
           <p:nvPr/>
         </p:nvSpPr>
         <p:spPr>
           <a:xfrm>
-            <a:off x="1532382" y="837819"/>
-            <a:ext cx="626745" cy="269304"/>
+            <a:off x="1007491" y="285623"/>
+            <a:ext cx="447040" cy="208279"/>
           </a:xfrm>
           <a:prstGeom prst="rect">
             <a:avLst/>
           </a:prstGeom>
         </p:spPr>
         <p:txBody>
-          <a:bodyPr vert="horz" wrap="square" lIns="0" tIns="12700" rIns="0" bIns="0" rtlCol="0">
+          <a:bodyPr wrap="square" lIns="0" tIns="12700" rIns="0" bIns="0" rtlCol="0" vert="horz">
             <a:spAutoFit/>
           </a:bodyPr>
           <a:lstStyle/>
           <a:p>
-            <a:pPr marL="12700" algn="ctr">
+            <a:pPr marL="128905" indent="-116205">
               <a:lnSpc>
-                <a:spcPts val="580"/>
+                <a:spcPct val="100000"/>
               </a:lnSpc>
               <a:spcBef>
                 <a:spcPts val="100"/>
               </a:spcBef>
+              <a:buSzPct val="41666"/>
+              <a:buFont typeface="MS UI Gothic"/>
+              <a:buChar char="●"/>
+              <a:tabLst>
+                <a:tab pos="129539" algn="l"/>
+              </a:tabLst>
             </a:pPr>
             <a:r>
-              <a:rPr sz="500" dirty="0">
+              <a:rPr dirty="0" sz="1200">
+                <a:latin typeface="Arial"/>
+                <a:cs typeface="Arial"/>
+              </a:rPr>
+              <a:t>UVT</a:t>
+            </a:r>
+            <a:endParaRPr sz="1200">
+              <a:latin typeface="Arial"/>
+              <a:cs typeface="Arial"/>
+            </a:endParaRPr>
+          </a:p>
+        </p:txBody>
+      </p:sp>
+      <p:sp>
+        <p:nvSpPr>
+          <p:cNvPr id="27" name="object 27"/>
+          <p:cNvSpPr txBox="1"/>
+          <p:nvPr/>
+        </p:nvSpPr>
+        <p:spPr>
+          <a:xfrm>
+            <a:off x="1438528" y="650748"/>
+            <a:ext cx="2085339" cy="970915"/>
+          </a:xfrm>
+          <a:prstGeom prst="rect">
+            <a:avLst/>
+          </a:prstGeom>
+        </p:spPr>
+        <p:txBody>
+          <a:bodyPr wrap="square" lIns="0" tIns="38735" rIns="0" bIns="0" rtlCol="0" vert="horz">
+            <a:spAutoFit/>
+          </a:bodyPr>
+          <a:lstStyle/>
+          <a:p>
+            <a:pPr marL="128905" indent="-116205">
+              <a:lnSpc>
+                <a:spcPct val="100000"/>
+              </a:lnSpc>
+              <a:spcBef>
+                <a:spcPts val="305"/>
+              </a:spcBef>
+              <a:buSzPct val="41666"/>
+              <a:buFont typeface="MS UI Gothic"/>
+              <a:buChar char="●"/>
+              <a:tabLst>
+                <a:tab pos="129539" algn="l"/>
+              </a:tabLst>
+            </a:pPr>
+            <a:r>
+              <a:rPr dirty="0" sz="1200">
+                <a:latin typeface="Arial"/>
+                <a:cs typeface="Arial"/>
+              </a:rPr>
+              <a:t>MLR SVI</a:t>
+            </a:r>
+            <a:r>
+              <a:rPr dirty="0" sz="1200" spc="-10">
+                <a:latin typeface="Arial"/>
+                <a:cs typeface="Arial"/>
+              </a:rPr>
+              <a:t> </a:t>
+            </a:r>
+            <a:r>
+              <a:rPr dirty="0" sz="1200">
+                <a:latin typeface="Arial"/>
+                <a:cs typeface="Arial"/>
+              </a:rPr>
+              <a:t>4</a:t>
+            </a:r>
+            <a:endParaRPr sz="1200">
+              <a:latin typeface="Arial"/>
+              <a:cs typeface="Arial"/>
+            </a:endParaRPr>
+          </a:p>
+          <a:p>
+            <a:pPr lvl="1" marL="560070" indent="-116839">
+              <a:lnSpc>
+                <a:spcPct val="100000"/>
+              </a:lnSpc>
+              <a:spcBef>
+                <a:spcPts val="210"/>
+              </a:spcBef>
+              <a:buSzPct val="41666"/>
+              <a:buFont typeface="MS UI Gothic"/>
+              <a:buChar char="●"/>
+              <a:tabLst>
+                <a:tab pos="560705" algn="l"/>
+              </a:tabLst>
+            </a:pPr>
+            <a:r>
+              <a:rPr dirty="0" sz="1200">
+                <a:latin typeface="Arial"/>
+                <a:cs typeface="Arial"/>
+              </a:rPr>
+              <a:t>MLR SVI</a:t>
+            </a:r>
+            <a:r>
+              <a:rPr dirty="0" sz="1200" spc="-10">
+                <a:latin typeface="Arial"/>
+                <a:cs typeface="Arial"/>
+              </a:rPr>
+              <a:t> </a:t>
+            </a:r>
+            <a:r>
+              <a:rPr dirty="0" sz="1200">
+                <a:latin typeface="Arial"/>
+                <a:cs typeface="Arial"/>
+              </a:rPr>
+              <a:t>3</a:t>
+            </a:r>
+            <a:endParaRPr sz="1200">
+              <a:latin typeface="Arial"/>
+              <a:cs typeface="Arial"/>
+            </a:endParaRPr>
+          </a:p>
+          <a:p>
+            <a:pPr lvl="2" marL="991235" indent="-116839">
+              <a:lnSpc>
+                <a:spcPts val="1410"/>
+              </a:lnSpc>
+              <a:spcBef>
+                <a:spcPts val="280"/>
+              </a:spcBef>
+              <a:buSzPct val="41666"/>
+              <a:buFont typeface="MS UI Gothic"/>
+              <a:buChar char="●"/>
+              <a:tabLst>
+                <a:tab pos="991235" algn="l"/>
+              </a:tabLst>
+            </a:pPr>
+            <a:r>
+              <a:rPr dirty="0" sz="1200">
+                <a:latin typeface="Arial"/>
+                <a:cs typeface="Arial"/>
+              </a:rPr>
+              <a:t>Air</a:t>
+            </a:r>
+            <a:r>
+              <a:rPr dirty="0" sz="1200" spc="-75">
+                <a:latin typeface="Arial"/>
+                <a:cs typeface="Arial"/>
+              </a:rPr>
+              <a:t> </a:t>
+            </a:r>
+            <a:r>
+              <a:rPr dirty="0" sz="1200" spc="-15">
+                <a:latin typeface="Arial"/>
+                <a:cs typeface="Arial"/>
+              </a:rPr>
+              <a:t>Temperature</a:t>
+            </a:r>
+            <a:endParaRPr sz="1200">
+              <a:latin typeface="Arial"/>
+              <a:cs typeface="Arial"/>
+            </a:endParaRPr>
+          </a:p>
+          <a:p>
+            <a:pPr lvl="3" marL="933450" marR="53340" indent="372110">
+              <a:lnSpc>
+                <a:spcPct val="72600"/>
+              </a:lnSpc>
+              <a:spcBef>
+                <a:spcPts val="365"/>
+              </a:spcBef>
+              <a:buSzPct val="41666"/>
+              <a:buFont typeface="MS UI Gothic"/>
+              <a:buChar char="●"/>
+              <a:tabLst>
+                <a:tab pos="1422400" algn="l"/>
+              </a:tabLst>
+            </a:pPr>
+            <a:r>
+              <a:rPr dirty="0" sz="1200">
+                <a:latin typeface="Arial"/>
+                <a:cs typeface="Arial"/>
+              </a:rPr>
+              <a:t>Sec</a:t>
+            </a:r>
+            <a:r>
+              <a:rPr dirty="0" sz="1200" spc="-95">
+                <a:latin typeface="Arial"/>
+                <a:cs typeface="Arial"/>
+              </a:rPr>
+              <a:t> </a:t>
+            </a:r>
+            <a:r>
+              <a:rPr dirty="0" sz="1200">
+                <a:latin typeface="Arial"/>
+                <a:cs typeface="Arial"/>
+              </a:rPr>
+              <a:t>TSS  MLR SVI 2</a:t>
+            </a:r>
+            <a:r>
+              <a:rPr dirty="0" sz="1200" spc="140">
+                <a:latin typeface="Arial"/>
+                <a:cs typeface="Arial"/>
+              </a:rPr>
+              <a:t> </a:t>
+            </a:r>
+            <a:r>
+              <a:rPr dirty="0" baseline="11111" sz="750">
                 <a:latin typeface="MS UI Gothic"/>
                 <a:cs typeface="MS UI Gothic"/>
               </a:rPr>
               <a:t>●</a:t>
             </a:r>
+            <a:endParaRPr baseline="11111" sz="750">
+              <a:latin typeface="MS UI Gothic"/>
+              <a:cs typeface="MS UI Gothic"/>
+            </a:endParaRPr>
           </a:p>
+        </p:txBody>
+      </p:sp>
+      <p:sp>
+        <p:nvSpPr>
+          <p:cNvPr id="28" name="object 28"/>
+          <p:cNvSpPr txBox="1"/>
+          <p:nvPr/>
+        </p:nvSpPr>
+        <p:spPr>
+          <a:xfrm>
+            <a:off x="3593591" y="1454911"/>
+            <a:ext cx="1129665" cy="208279"/>
+          </a:xfrm>
+          <a:prstGeom prst="rect">
+            <a:avLst/>
+          </a:prstGeom>
+        </p:spPr>
+        <p:txBody>
+          <a:bodyPr wrap="square" lIns="0" tIns="12700" rIns="0" bIns="0" rtlCol="0" vert="horz">
+            <a:spAutoFit/>
+          </a:bodyPr>
+          <a:lstStyle/>
           <a:p>
-            <a:pPr algn="ctr">
+            <a:pPr marL="128905" indent="-116205">
               <a:lnSpc>
-                <a:spcPts val="1420"/>
+                <a:spcPct val="100000"/>
               </a:lnSpc>
+              <a:spcBef>
+                <a:spcPts val="100"/>
+              </a:spcBef>
+              <a:buSzPct val="41666"/>
+              <a:buFont typeface="MS UI Gothic"/>
+              <a:buChar char="●"/>
+              <a:tabLst>
+                <a:tab pos="129539" algn="l"/>
+              </a:tabLst>
             </a:pPr>
             <a:r>
-              <a:rPr lang="en-US" sz="1200" dirty="0">
-                <a:latin typeface="Arial" panose="020B0604020202020204" pitchFamily="34" charset="0"/>
-                <a:cs typeface="Arial" panose="020B0604020202020204" pitchFamily="34" charset="0"/>
-              </a:rPr>
-              <a:t>2°</a:t>
-            </a:r>
-            <a:r>
-              <a:rPr lang="en-US" sz="1200" spc="-80" dirty="0">
-                <a:latin typeface="Arial" panose="020B0604020202020204" pitchFamily="34" charset="0"/>
-                <a:cs typeface="Arial" panose="020B0604020202020204" pitchFamily="34" charset="0"/>
+              <a:rPr dirty="0" sz="1200" spc="-30">
+                <a:latin typeface="Arial"/>
+                <a:cs typeface="Arial"/>
+              </a:rPr>
+              <a:t>Total </a:t>
+            </a:r>
+            <a:r>
+              <a:rPr dirty="0" sz="1200">
+                <a:latin typeface="Arial"/>
+                <a:cs typeface="Arial"/>
+              </a:rPr>
+              <a:t>RAS</a:t>
+            </a:r>
+            <a:r>
+              <a:rPr dirty="0" sz="1200" spc="-55">
+                <a:latin typeface="Arial"/>
+                <a:cs typeface="Arial"/>
               </a:rPr>
               <a:t> </a:t>
             </a:r>
             <a:r>
-              <a:rPr sz="1200" dirty="0">
-                <a:latin typeface="Arial" panose="020B0604020202020204" pitchFamily="34" charset="0"/>
-                <a:cs typeface="Arial" panose="020B0604020202020204" pitchFamily="34" charset="0"/>
-              </a:rPr>
-              <a:t>TSS</a:t>
-            </a:r>
+              <a:rPr dirty="0" sz="1200" spc="-5">
+                <a:latin typeface="Arial"/>
+                <a:cs typeface="Arial"/>
+              </a:rPr>
+              <a:t>flow</a:t>
+            </a:r>
+            <a:endParaRPr sz="1200">
+              <a:latin typeface="Arial"/>
+              <a:cs typeface="Arial"/>
+            </a:endParaRPr>
           </a:p>
         </p:txBody>
       </p:sp>
       <p:sp>
         <p:nvSpPr>
-          <p:cNvPr id="32" name="object 32"/>
+          <p:cNvPr id="29" name="object 29"/>
           <p:cNvSpPr txBox="1"/>
           <p:nvPr/>
         </p:nvSpPr>
         <p:spPr>
           <a:xfrm>
-            <a:off x="2595647" y="774981"/>
-            <a:ext cx="861694" cy="197490"/>
+            <a:off x="3309873" y="1635378"/>
+            <a:ext cx="803910" cy="208279"/>
           </a:xfrm>
           <a:prstGeom prst="rect">
             <a:avLst/>
           </a:prstGeom>
         </p:spPr>
         <p:txBody>
-          <a:bodyPr vert="horz" wrap="square" lIns="0" tIns="12700" rIns="0" bIns="0" rtlCol="0">
+          <a:bodyPr wrap="square" lIns="0" tIns="12700" rIns="0" bIns="0" rtlCol="0" vert="horz">
             <a:spAutoFit/>
           </a:bodyPr>
           <a:lstStyle/>
@@ -3009,103 +3210,57 @@
               </a:spcBef>
             </a:pPr>
             <a:r>
-              <a:rPr lang="en-US" sz="1200" dirty="0">
-                <a:latin typeface="Arial" panose="020B0604020202020204" pitchFamily="34" charset="0"/>
-                <a:cs typeface="Arial" panose="020B0604020202020204" pitchFamily="34" charset="0"/>
-              </a:rPr>
-              <a:t>2°</a:t>
-            </a:r>
-            <a:r>
-              <a:rPr lang="en-US" sz="1200" spc="-80" dirty="0">
-                <a:latin typeface="Arial" panose="020B0604020202020204" pitchFamily="34" charset="0"/>
-                <a:cs typeface="Arial" panose="020B0604020202020204" pitchFamily="34" charset="0"/>
+              <a:rPr dirty="0" sz="1200" spc="-50">
+                <a:latin typeface="Arial"/>
+                <a:cs typeface="Arial"/>
+              </a:rPr>
+              <a:t>PAA </a:t>
+            </a:r>
+            <a:r>
+              <a:rPr dirty="0" sz="1200" spc="-5">
+                <a:latin typeface="Arial"/>
+                <a:cs typeface="Arial"/>
+              </a:rPr>
+              <a:t>Flow</a:t>
+            </a:r>
+            <a:r>
+              <a:rPr dirty="0" sz="1200" spc="150">
+                <a:latin typeface="Arial"/>
+                <a:cs typeface="Arial"/>
               </a:rPr>
               <a:t> </a:t>
             </a:r>
             <a:r>
-              <a:rPr sz="1200" dirty="0">
-                <a:latin typeface="Arial" panose="020B0604020202020204" pitchFamily="34" charset="0"/>
-                <a:cs typeface="Arial" panose="020B0604020202020204" pitchFamily="34" charset="0"/>
-              </a:rPr>
-              <a:t>Inf</a:t>
-            </a:r>
-            <a:r>
-              <a:rPr sz="1200" spc="-90" dirty="0">
-                <a:latin typeface="Arial" panose="020B0604020202020204" pitchFamily="34" charset="0"/>
-                <a:cs typeface="Arial" panose="020B0604020202020204" pitchFamily="34" charset="0"/>
-              </a:rPr>
-              <a:t> </a:t>
-            </a:r>
-            <a:r>
-              <a:rPr sz="1200" spc="-5" dirty="0">
-                <a:latin typeface="Arial" panose="020B0604020202020204" pitchFamily="34" charset="0"/>
-                <a:cs typeface="Arial" panose="020B0604020202020204" pitchFamily="34" charset="0"/>
-              </a:rPr>
-              <a:t>Flow</a:t>
-            </a:r>
-            <a:endParaRPr sz="1200" dirty="0">
-              <a:latin typeface="Arial" panose="020B0604020202020204" pitchFamily="34" charset="0"/>
-              <a:cs typeface="Arial" panose="020B0604020202020204" pitchFamily="34" charset="0"/>
+              <a:rPr dirty="0" baseline="11111" sz="750">
+                <a:latin typeface="MS UI Gothic"/>
+                <a:cs typeface="MS UI Gothic"/>
+              </a:rPr>
+              <a:t>●</a:t>
+            </a:r>
+            <a:endParaRPr baseline="11111" sz="750">
+              <a:latin typeface="MS UI Gothic"/>
+              <a:cs typeface="MS UI Gothic"/>
             </a:endParaRPr>
           </a:p>
         </p:txBody>
       </p:sp>
       <p:sp>
         <p:nvSpPr>
-          <p:cNvPr id="33" name="object 33"/>
+          <p:cNvPr id="30" name="object 30"/>
           <p:cNvSpPr txBox="1"/>
           <p:nvPr/>
         </p:nvSpPr>
         <p:spPr>
           <a:xfrm>
-            <a:off x="2647188" y="1329436"/>
-            <a:ext cx="1106805" cy="89127"/>
+            <a:off x="4339463" y="1615186"/>
+            <a:ext cx="1170940" cy="208279"/>
           </a:xfrm>
           <a:prstGeom prst="rect">
             <a:avLst/>
           </a:prstGeom>
         </p:spPr>
         <p:txBody>
-          <a:bodyPr vert="horz" wrap="square" lIns="0" tIns="12065" rIns="0" bIns="0" rtlCol="0">
-            <a:spAutoFit/>
-          </a:bodyPr>
-          <a:lstStyle/>
-          <a:p>
-            <a:pPr marL="12700" algn="ctr">
-              <a:lnSpc>
-                <a:spcPts val="585"/>
-              </a:lnSpc>
-              <a:spcBef>
-                <a:spcPts val="95"/>
-              </a:spcBef>
-            </a:pPr>
-            <a:r>
-              <a:rPr sz="500" dirty="0">
-                <a:latin typeface="MS UI Gothic"/>
-                <a:cs typeface="MS UI Gothic"/>
-              </a:rPr>
-              <a:t>●</a:t>
-            </a:r>
-          </a:p>
-        </p:txBody>
-      </p:sp>
-      <p:sp>
-        <p:nvSpPr>
-          <p:cNvPr id="34" name="object 34"/>
-          <p:cNvSpPr txBox="1"/>
-          <p:nvPr/>
-        </p:nvSpPr>
-        <p:spPr>
-          <a:xfrm>
-            <a:off x="3710685" y="1733296"/>
-            <a:ext cx="334645" cy="208279"/>
-          </a:xfrm>
-          <a:prstGeom prst="rect">
-            <a:avLst/>
-          </a:prstGeom>
-        </p:spPr>
-        <p:txBody>
-          <a:bodyPr vert="horz" wrap="square" lIns="0" tIns="12700" rIns="0" bIns="0" rtlCol="0">
+          <a:bodyPr wrap="square" lIns="0" tIns="12700" rIns="0" bIns="0" rtlCol="0" vert="horz">
             <a:spAutoFit/>
           </a:bodyPr>
           <a:lstStyle/>
@@ -3119,83 +3274,27 @@
               </a:spcBef>
             </a:pPr>
             <a:r>
-              <a:rPr sz="1200" dirty="0">
-                <a:latin typeface="Arial"/>
-                <a:cs typeface="Arial"/>
-              </a:rPr>
-              <a:t>H</a:t>
-            </a:r>
-            <a:r>
-              <a:rPr sz="1200" spc="-40" dirty="0">
-                <a:latin typeface="Arial"/>
-                <a:cs typeface="Arial"/>
-              </a:rPr>
-              <a:t>R</a:t>
-            </a:r>
-            <a:r>
-              <a:rPr sz="1200" dirty="0">
-                <a:latin typeface="Arial"/>
-                <a:cs typeface="Arial"/>
-              </a:rPr>
-              <a:t>T</a:t>
-            </a:r>
-          </a:p>
-        </p:txBody>
-      </p:sp>
-      <p:sp>
-        <p:nvSpPr>
-          <p:cNvPr id="36" name="Rectangle 35">
-            <a:extLst>
-              <a:ext uri="{FF2B5EF4-FFF2-40B4-BE49-F238E27FC236}">
-                <a16:creationId xmlns:a16="http://schemas.microsoft.com/office/drawing/2014/main" id="{393DE81B-15D0-4872-B13F-17AD981445A6}"/>
-              </a:ext>
-            </a:extLst>
-          </p:cNvPr>
-          <p:cNvSpPr/>
-          <p:nvPr/>
-        </p:nvSpPr>
-        <p:spPr>
-          <a:xfrm>
-            <a:off x="2057400" y="1341810"/>
-            <a:ext cx="1243353" cy="271869"/>
-          </a:xfrm>
-          <a:prstGeom prst="rect">
-            <a:avLst/>
-          </a:prstGeom>
-        </p:spPr>
-        <p:txBody>
-          <a:bodyPr wrap="none">
-            <a:spAutoFit/>
-          </a:bodyPr>
-          <a:lstStyle/>
-          <a:p>
-            <a:pPr algn="ctr">
-              <a:lnSpc>
-                <a:spcPts val="1425"/>
-              </a:lnSpc>
-            </a:pPr>
-            <a:r>
-              <a:rPr lang="en-US" sz="1200" dirty="0">
-                <a:latin typeface="Arial"/>
-                <a:cs typeface="Arial"/>
-              </a:rPr>
-              <a:t>Air</a:t>
-            </a:r>
-            <a:r>
-              <a:rPr lang="en-US" sz="1200" spc="-75" dirty="0">
+              <a:rPr dirty="0" sz="1200" spc="-5">
+                <a:latin typeface="Arial"/>
+                <a:cs typeface="Arial"/>
+              </a:rPr>
+              <a:t>Disinfection</a:t>
+            </a:r>
+            <a:r>
+              <a:rPr dirty="0" sz="1200" spc="-65">
                 <a:latin typeface="Arial"/>
                 <a:cs typeface="Arial"/>
               </a:rPr>
               <a:t> </a:t>
             </a:r>
             <a:r>
-              <a:rPr lang="en-US" sz="1200" spc="-15" dirty="0">
-                <a:latin typeface="Arial"/>
-                <a:cs typeface="Arial"/>
-              </a:rPr>
-              <a:t>Temperature</a:t>
-            </a:r>
-            <a:endParaRPr lang="en-US" dirty="0">
+              <a:rPr dirty="0" sz="1200" spc="-5">
+                <a:latin typeface="Arial"/>
+                <a:cs typeface="Arial"/>
+              </a:rPr>
+              <a:t>Flow</a:t>
+            </a:r>
+            <a:endParaRPr sz="1200">
               <a:latin typeface="Arial"/>
               <a:cs typeface="Arial"/>
             </a:endParaRPr>
@@ -3204,107 +3303,149 @@
       </p:sp>
       <p:sp>
         <p:nvSpPr>
-          <p:cNvPr id="37" name="object 34">
-            <a:extLst>
-              <a:ext uri="{FF2B5EF4-FFF2-40B4-BE49-F238E27FC236}">
-                <a16:creationId xmlns:a16="http://schemas.microsoft.com/office/drawing/2014/main" id="{434E04BC-AAE9-4199-80B1-32B2768D6E97}"/>
-              </a:ext>
-            </a:extLst>
-          </p:cNvPr>
+          <p:cNvPr id="31" name="object 31"/>
           <p:cNvSpPr txBox="1"/>
           <p:nvPr/>
         </p:nvSpPr>
         <p:spPr>
           <a:xfrm>
-            <a:off x="4267039" y="1565777"/>
-            <a:ext cx="626968" cy="197490"/>
+            <a:off x="4112386" y="1817623"/>
+            <a:ext cx="1410335" cy="657860"/>
           </a:xfrm>
           <a:prstGeom prst="rect">
             <a:avLst/>
           </a:prstGeom>
         </p:spPr>
         <p:txBody>
-          <a:bodyPr vert="horz" wrap="square" lIns="0" tIns="12700" rIns="0" bIns="0" rtlCol="0">
+          <a:bodyPr wrap="square" lIns="0" tIns="12065" rIns="0" bIns="0" rtlCol="0" vert="horz">
             <a:spAutoFit/>
           </a:bodyPr>
           <a:lstStyle/>
           <a:p>
+            <a:pPr marL="355600">
+              <a:lnSpc>
+                <a:spcPts val="575"/>
+              </a:lnSpc>
+              <a:spcBef>
+                <a:spcPts val="95"/>
+              </a:spcBef>
+              <a:tabLst>
+                <a:tab pos="725170" algn="l"/>
+                <a:tab pos="1217930" algn="l"/>
+              </a:tabLst>
+            </a:pPr>
+            <a:r>
+              <a:rPr dirty="0" baseline="5555" sz="750">
+                <a:latin typeface="MS UI Gothic"/>
+                <a:cs typeface="MS UI Gothic"/>
+              </a:rPr>
+              <a:t>●</a:t>
+            </a:r>
+            <a:r>
+              <a:rPr dirty="0" u="sng" baseline="5555" sz="750">
+                <a:uFill>
+                  <a:solidFill>
+                    <a:srgbClr val="000000"/>
+                  </a:solidFill>
+                </a:uFill>
+                <a:latin typeface="Times New Roman"/>
+                <a:cs typeface="Times New Roman"/>
+              </a:rPr>
+              <a:t>	</a:t>
+            </a:r>
+            <a:r>
+              <a:rPr dirty="0" sz="500">
+                <a:latin typeface="MS UI Gothic"/>
+                <a:cs typeface="MS UI Gothic"/>
+              </a:rPr>
+              <a:t>●</a:t>
+            </a:r>
+            <a:r>
+              <a:rPr dirty="0" sz="500">
+                <a:latin typeface="Times New Roman"/>
+                <a:cs typeface="Times New Roman"/>
+              </a:rPr>
+              <a:t>	</a:t>
+            </a:r>
+            <a:r>
+              <a:rPr dirty="0" sz="500">
+                <a:latin typeface="MS UI Gothic"/>
+                <a:cs typeface="MS UI Gothic"/>
+              </a:rPr>
+              <a:t>●</a:t>
+            </a:r>
+            <a:endParaRPr sz="500">
+              <a:latin typeface="MS UI Gothic"/>
+              <a:cs typeface="MS UI Gothic"/>
+            </a:endParaRPr>
+          </a:p>
+          <a:p>
             <a:pPr marL="12700">
+              <a:lnSpc>
+                <a:spcPts val="1415"/>
+              </a:lnSpc>
+              <a:tabLst>
+                <a:tab pos="1088390" algn="l"/>
+              </a:tabLst>
+            </a:pPr>
+            <a:r>
+              <a:rPr dirty="0" sz="1200">
+                <a:latin typeface="Arial"/>
+                <a:cs typeface="Arial"/>
+              </a:rPr>
+              <a:t>MLR SVI 1	S</a:t>
+            </a:r>
+            <a:r>
+              <a:rPr dirty="0" sz="1200" spc="-40">
+                <a:latin typeface="Arial"/>
+                <a:cs typeface="Arial"/>
+              </a:rPr>
+              <a:t>A</a:t>
+            </a:r>
+            <a:r>
+              <a:rPr dirty="0" sz="1200">
+                <a:latin typeface="Arial"/>
+                <a:cs typeface="Arial"/>
+              </a:rPr>
+              <a:t>C</a:t>
+            </a:r>
+            <a:endParaRPr sz="1200">
+              <a:latin typeface="Arial"/>
+              <a:cs typeface="Arial"/>
+            </a:endParaRPr>
+          </a:p>
+          <a:p>
+            <a:pPr>
               <a:lnSpc>
                 <a:spcPct val="100000"/>
               </a:lnSpc>
               <a:spcBef>
-                <a:spcPts val="100"/>
+                <a:spcPts val="55"/>
               </a:spcBef>
             </a:pPr>
-            <a:r>
-              <a:rPr lang="en-US" sz="1200" dirty="0">
-                <a:latin typeface="Arial" panose="020B0604020202020204" pitchFamily="34" charset="0"/>
-                <a:cs typeface="Arial" panose="020B0604020202020204" pitchFamily="34" charset="0"/>
-              </a:rPr>
-              <a:t>2°</a:t>
-            </a:r>
-            <a:r>
-              <a:rPr lang="en-US" sz="1200" spc="-80" dirty="0">
-                <a:latin typeface="Arial" panose="020B0604020202020204" pitchFamily="34" charset="0"/>
-                <a:cs typeface="Arial" panose="020B0604020202020204" pitchFamily="34" charset="0"/>
-              </a:rPr>
-              <a:t>  ASRT</a:t>
-            </a:r>
-            <a:endParaRPr sz="1200" dirty="0">
-              <a:latin typeface="Arial"/>
-              <a:cs typeface="Arial"/>
+            <a:endParaRPr sz="1300">
+              <a:latin typeface="Times New Roman"/>
+              <a:cs typeface="Times New Roman"/>
             </a:endParaRPr>
           </a:p>
-        </p:txBody>
-      </p:sp>
-      <p:sp>
-        <p:nvSpPr>
-          <p:cNvPr id="38" name="object 34">
-            <a:extLst>
-              <a:ext uri="{FF2B5EF4-FFF2-40B4-BE49-F238E27FC236}">
-                <a16:creationId xmlns:a16="http://schemas.microsoft.com/office/drawing/2014/main" id="{D4FDFA95-F3EA-4952-865E-681C0807F5E7}"/>
-              </a:ext>
-            </a:extLst>
-          </p:cNvPr>
-          <p:cNvSpPr txBox="1"/>
-          <p:nvPr/>
-        </p:nvSpPr>
-        <p:spPr>
-          <a:xfrm>
-            <a:off x="4972687" y="1869308"/>
-            <a:ext cx="788033" cy="197490"/>
-          </a:xfrm>
-          <a:prstGeom prst="rect">
-            <a:avLst/>
-          </a:prstGeom>
-        </p:spPr>
-        <p:txBody>
-          <a:bodyPr vert="horz" wrap="square" lIns="0" tIns="12700" rIns="0" bIns="0" rtlCol="0">
-            <a:spAutoFit/>
-          </a:bodyPr>
-          <a:lstStyle/>
           <a:p>
-            <a:pPr marL="12700">
+            <a:pPr marL="338455">
               <a:lnSpc>
                 <a:spcPct val="100000"/>
               </a:lnSpc>
+              <a:tabLst>
+                <a:tab pos="727075" algn="l"/>
+                <a:tab pos="1158240" algn="l"/>
+              </a:tabLst>
             </a:pPr>
             <a:r>
-              <a:rPr lang="en-US" sz="1200" dirty="0">
-                <a:latin typeface="Arial" panose="020B0604020202020204" pitchFamily="34" charset="0"/>
-                <a:cs typeface="Arial" panose="020B0604020202020204" pitchFamily="34" charset="0"/>
-              </a:rPr>
-              <a:t>2°</a:t>
-            </a:r>
-            <a:r>
-              <a:rPr lang="en-US" sz="1200" spc="-80" dirty="0">
-                <a:latin typeface="Arial" panose="020B0604020202020204" pitchFamily="34" charset="0"/>
-                <a:cs typeface="Arial" panose="020B0604020202020204" pitchFamily="34" charset="0"/>
-              </a:rPr>
-              <a:t>  Eff Flow</a:t>
-            </a:r>
-            <a:endParaRPr sz="1200" dirty="0">
+              <a:rPr dirty="0" sz="1200">
+                <a:latin typeface="Arial"/>
+                <a:cs typeface="Arial"/>
+              </a:rPr>
+              <a:t>9	10	11</a:t>
+            </a:r>
+            <a:endParaRPr sz="1200">
               <a:latin typeface="Arial"/>
               <a:cs typeface="Arial"/>
             </a:endParaRPr>
